--- a/practical_class/class_ppt/0317程一實習.pptx
+++ b/practical_class/class_ppt/0317程一實習.pptx
@@ -5,24 +5,33 @@
     <p:sldMasterId id="2147483648" r:id="rId1"/>
   </p:sldMasterIdLst>
   <p:notesMasterIdLst>
-    <p:notesMasterId r:id="rId17"/>
+    <p:notesMasterId r:id="rId26"/>
   </p:notesMasterIdLst>
   <p:sldIdLst>
     <p:sldId id="256" r:id="rId2"/>
     <p:sldId id="260" r:id="rId3"/>
     <p:sldId id="264" r:id="rId4"/>
-    <p:sldId id="259" r:id="rId5"/>
-    <p:sldId id="257" r:id="rId6"/>
-    <p:sldId id="258" r:id="rId7"/>
-    <p:sldId id="261" r:id="rId8"/>
-    <p:sldId id="262" r:id="rId9"/>
-    <p:sldId id="263" r:id="rId10"/>
-    <p:sldId id="265" r:id="rId11"/>
-    <p:sldId id="266" r:id="rId12"/>
-    <p:sldId id="270" r:id="rId13"/>
-    <p:sldId id="267" r:id="rId14"/>
-    <p:sldId id="268" r:id="rId15"/>
-    <p:sldId id="269" r:id="rId16"/>
+    <p:sldId id="271" r:id="rId5"/>
+    <p:sldId id="272" r:id="rId6"/>
+    <p:sldId id="273" r:id="rId7"/>
+    <p:sldId id="277" r:id="rId8"/>
+    <p:sldId id="259" r:id="rId9"/>
+    <p:sldId id="257" r:id="rId10"/>
+    <p:sldId id="258" r:id="rId11"/>
+    <p:sldId id="261" r:id="rId12"/>
+    <p:sldId id="262" r:id="rId13"/>
+    <p:sldId id="263" r:id="rId14"/>
+    <p:sldId id="265" r:id="rId15"/>
+    <p:sldId id="266" r:id="rId16"/>
+    <p:sldId id="270" r:id="rId17"/>
+    <p:sldId id="276" r:id="rId18"/>
+    <p:sldId id="267" r:id="rId19"/>
+    <p:sldId id="268" r:id="rId20"/>
+    <p:sldId id="269" r:id="rId21"/>
+    <p:sldId id="275" r:id="rId22"/>
+    <p:sldId id="274" r:id="rId23"/>
+    <p:sldId id="278" r:id="rId24"/>
+    <p:sldId id="279" r:id="rId25"/>
   </p:sldIdLst>
   <p:sldSz cx="12192000" cy="6858000"/>
   <p:notesSz cx="6858000" cy="9144000"/>
@@ -223,7 +232,7 @@
           <a:p>
             <a:fld id="{4A026C94-271D-49A1-BABA-212293D723B7}" type="datetimeFigureOut">
               <a:rPr lang="zh-TW" altLang="en-US" smtClean="0"/>
-              <a:t>2022/3/14</a:t>
+              <a:t>2022/3/16</a:t>
             </a:fld>
             <a:endParaRPr lang="zh-TW" altLang="en-US"/>
           </a:p>
@@ -490,6 +499,180 @@
 </p:notesMaster>
 </file>
 
+<file path=ppt/notesSlides/notesSlide1.xml><?xml version="1.0" encoding="utf-8"?>
+<p:notes xmlns:a="http://schemas.openxmlformats.org/drawingml/2006/main" xmlns:r="http://schemas.openxmlformats.org/officeDocument/2006/relationships" xmlns:p="http://schemas.openxmlformats.org/presentationml/2006/main">
+  <p:cSld>
+    <p:spTree>
+      <p:nvGrpSpPr>
+        <p:cNvPr id="1" name=""/>
+        <p:cNvGrpSpPr/>
+        <p:nvPr/>
+      </p:nvGrpSpPr>
+      <p:grpSpPr>
+        <a:xfrm>
+          <a:off x="0" y="0"/>
+          <a:ext cx="0" cy="0"/>
+          <a:chOff x="0" y="0"/>
+          <a:chExt cx="0" cy="0"/>
+        </a:xfrm>
+      </p:grpSpPr>
+      <p:sp>
+        <p:nvSpPr>
+          <p:cNvPr id="2" name="投影片影像版面配置區 1"/>
+          <p:cNvSpPr>
+            <a:spLocks noGrp="1" noRot="1" noChangeAspect="1"/>
+          </p:cNvSpPr>
+          <p:nvPr>
+            <p:ph type="sldImg"/>
+          </p:nvPr>
+        </p:nvSpPr>
+        <p:spPr/>
+      </p:sp>
+      <p:sp>
+        <p:nvSpPr>
+          <p:cNvPr id="3" name="備忘稿版面配置區 2"/>
+          <p:cNvSpPr>
+            <a:spLocks noGrp="1"/>
+          </p:cNvSpPr>
+          <p:nvPr>
+            <p:ph type="body" idx="1"/>
+          </p:nvPr>
+        </p:nvSpPr>
+        <p:spPr/>
+        <p:txBody>
+          <a:bodyPr/>
+          <a:lstStyle/>
+          <a:p>
+            <a:r>
+              <a:rPr lang="zh-TW" altLang="en-US" dirty="0"/>
+              <a:t>對等 結構式</a:t>
+            </a:r>
+          </a:p>
+        </p:txBody>
+      </p:sp>
+      <p:sp>
+        <p:nvSpPr>
+          <p:cNvPr id="4" name="投影片編號版面配置區 3"/>
+          <p:cNvSpPr>
+            <a:spLocks noGrp="1"/>
+          </p:cNvSpPr>
+          <p:nvPr>
+            <p:ph type="sldNum" sz="quarter" idx="5"/>
+          </p:nvPr>
+        </p:nvSpPr>
+        <p:spPr/>
+        <p:txBody>
+          <a:bodyPr/>
+          <a:lstStyle/>
+          <a:p>
+            <a:fld id="{92CD3976-0A53-43C7-A43E-A2410759C6DA}" type="slidenum">
+              <a:rPr lang="zh-TW" altLang="en-US" smtClean="0"/>
+              <a:t>5</a:t>
+            </a:fld>
+            <a:endParaRPr lang="zh-TW" altLang="en-US"/>
+          </a:p>
+        </p:txBody>
+      </p:sp>
+    </p:spTree>
+    <p:extLst>
+      <p:ext uri="{BB962C8B-B14F-4D97-AF65-F5344CB8AC3E}">
+        <p14:creationId xmlns:p14="http://schemas.microsoft.com/office/powerpoint/2010/main" val="1627731658"/>
+      </p:ext>
+    </p:extLst>
+  </p:cSld>
+  <p:clrMapOvr>
+    <a:masterClrMapping/>
+  </p:clrMapOvr>
+</p:notes>
+</file>
+
+<file path=ppt/notesSlides/notesSlide2.xml><?xml version="1.0" encoding="utf-8"?>
+<p:notes xmlns:a="http://schemas.openxmlformats.org/drawingml/2006/main" xmlns:r="http://schemas.openxmlformats.org/officeDocument/2006/relationships" xmlns:p="http://schemas.openxmlformats.org/presentationml/2006/main">
+  <p:cSld>
+    <p:spTree>
+      <p:nvGrpSpPr>
+        <p:cNvPr id="1" name=""/>
+        <p:cNvGrpSpPr/>
+        <p:nvPr/>
+      </p:nvGrpSpPr>
+      <p:grpSpPr>
+        <a:xfrm>
+          <a:off x="0" y="0"/>
+          <a:ext cx="0" cy="0"/>
+          <a:chOff x="0" y="0"/>
+          <a:chExt cx="0" cy="0"/>
+        </a:xfrm>
+      </p:grpSpPr>
+      <p:sp>
+        <p:nvSpPr>
+          <p:cNvPr id="2" name="投影片影像版面配置區 1"/>
+          <p:cNvSpPr>
+            <a:spLocks noGrp="1" noRot="1" noChangeAspect="1"/>
+          </p:cNvSpPr>
+          <p:nvPr>
+            <p:ph type="sldImg"/>
+          </p:nvPr>
+        </p:nvSpPr>
+        <p:spPr/>
+      </p:sp>
+      <p:sp>
+        <p:nvSpPr>
+          <p:cNvPr id="3" name="備忘稿版面配置區 2"/>
+          <p:cNvSpPr>
+            <a:spLocks noGrp="1"/>
+          </p:cNvSpPr>
+          <p:nvPr>
+            <p:ph type="body" idx="1"/>
+          </p:nvPr>
+        </p:nvSpPr>
+        <p:spPr/>
+        <p:txBody>
+          <a:bodyPr/>
+          <a:lstStyle/>
+          <a:p>
+            <a:r>
+              <a:rPr lang="zh-TW" altLang="en-US" dirty="0"/>
+              <a:t>巢狀 階層式 對錯</a:t>
+            </a:r>
+          </a:p>
+        </p:txBody>
+      </p:sp>
+      <p:sp>
+        <p:nvSpPr>
+          <p:cNvPr id="4" name="投影片編號版面配置區 3"/>
+          <p:cNvSpPr>
+            <a:spLocks noGrp="1"/>
+          </p:cNvSpPr>
+          <p:nvPr>
+            <p:ph type="sldNum" sz="quarter" idx="5"/>
+          </p:nvPr>
+        </p:nvSpPr>
+        <p:spPr/>
+        <p:txBody>
+          <a:bodyPr/>
+          <a:lstStyle/>
+          <a:p>
+            <a:fld id="{92CD3976-0A53-43C7-A43E-A2410759C6DA}" type="slidenum">
+              <a:rPr lang="zh-TW" altLang="en-US" smtClean="0"/>
+              <a:t>6</a:t>
+            </a:fld>
+            <a:endParaRPr lang="zh-TW" altLang="en-US"/>
+          </a:p>
+        </p:txBody>
+      </p:sp>
+    </p:spTree>
+    <p:extLst>
+      <p:ext uri="{BB962C8B-B14F-4D97-AF65-F5344CB8AC3E}">
+        <p14:creationId xmlns:p14="http://schemas.microsoft.com/office/powerpoint/2010/main" val="3462916536"/>
+      </p:ext>
+    </p:extLst>
+  </p:cSld>
+  <p:clrMapOvr>
+    <a:masterClrMapping/>
+  </p:clrMapOvr>
+</p:notes>
+</file>
+
 <file path=ppt/slideLayouts/slideLayout1.xml><?xml version="1.0" encoding="utf-8"?>
 <p:sldLayout xmlns:a="http://schemas.openxmlformats.org/drawingml/2006/main" xmlns:r="http://schemas.openxmlformats.org/officeDocument/2006/relationships" xmlns:p="http://schemas.openxmlformats.org/presentationml/2006/main" type="title" preserve="1">
   <p:cSld name="標題投影片">
@@ -637,7 +820,7 @@
           <a:p>
             <a:fld id="{EC09F29B-51DF-41BF-B9C1-3A09295E2F91}" type="datetimeFigureOut">
               <a:rPr lang="zh-TW" altLang="en-US" smtClean="0"/>
-              <a:t>2022/3/14</a:t>
+              <a:t>2022/3/16</a:t>
             </a:fld>
             <a:endParaRPr lang="zh-TW" altLang="en-US"/>
           </a:p>
@@ -835,7 +1018,7 @@
           <a:p>
             <a:fld id="{EC09F29B-51DF-41BF-B9C1-3A09295E2F91}" type="datetimeFigureOut">
               <a:rPr lang="zh-TW" altLang="en-US" smtClean="0"/>
-              <a:t>2022/3/14</a:t>
+              <a:t>2022/3/16</a:t>
             </a:fld>
             <a:endParaRPr lang="zh-TW" altLang="en-US"/>
           </a:p>
@@ -1043,7 +1226,7 @@
           <a:p>
             <a:fld id="{EC09F29B-51DF-41BF-B9C1-3A09295E2F91}" type="datetimeFigureOut">
               <a:rPr lang="zh-TW" altLang="en-US" smtClean="0"/>
-              <a:t>2022/3/14</a:t>
+              <a:t>2022/3/16</a:t>
             </a:fld>
             <a:endParaRPr lang="zh-TW" altLang="en-US"/>
           </a:p>
@@ -1241,7 +1424,7 @@
           <a:p>
             <a:fld id="{EC09F29B-51DF-41BF-B9C1-3A09295E2F91}" type="datetimeFigureOut">
               <a:rPr lang="zh-TW" altLang="en-US" smtClean="0"/>
-              <a:t>2022/3/14</a:t>
+              <a:t>2022/3/16</a:t>
             </a:fld>
             <a:endParaRPr lang="zh-TW" altLang="en-US"/>
           </a:p>
@@ -1516,7 +1699,7 @@
           <a:p>
             <a:fld id="{EC09F29B-51DF-41BF-B9C1-3A09295E2F91}" type="datetimeFigureOut">
               <a:rPr lang="zh-TW" altLang="en-US" smtClean="0"/>
-              <a:t>2022/3/14</a:t>
+              <a:t>2022/3/16</a:t>
             </a:fld>
             <a:endParaRPr lang="zh-TW" altLang="en-US"/>
           </a:p>
@@ -1781,7 +1964,7 @@
           <a:p>
             <a:fld id="{EC09F29B-51DF-41BF-B9C1-3A09295E2F91}" type="datetimeFigureOut">
               <a:rPr lang="zh-TW" altLang="en-US" smtClean="0"/>
-              <a:t>2022/3/14</a:t>
+              <a:t>2022/3/16</a:t>
             </a:fld>
             <a:endParaRPr lang="zh-TW" altLang="en-US"/>
           </a:p>
@@ -2193,7 +2376,7 @@
           <a:p>
             <a:fld id="{EC09F29B-51DF-41BF-B9C1-3A09295E2F91}" type="datetimeFigureOut">
               <a:rPr lang="zh-TW" altLang="en-US" smtClean="0"/>
-              <a:t>2022/3/14</a:t>
+              <a:t>2022/3/16</a:t>
             </a:fld>
             <a:endParaRPr lang="zh-TW" altLang="en-US"/>
           </a:p>
@@ -2334,7 +2517,7 @@
           <a:p>
             <a:fld id="{EC09F29B-51DF-41BF-B9C1-3A09295E2F91}" type="datetimeFigureOut">
               <a:rPr lang="zh-TW" altLang="en-US" smtClean="0"/>
-              <a:t>2022/3/14</a:t>
+              <a:t>2022/3/16</a:t>
             </a:fld>
             <a:endParaRPr lang="zh-TW" altLang="en-US"/>
           </a:p>
@@ -2447,7 +2630,7 @@
           <a:p>
             <a:fld id="{EC09F29B-51DF-41BF-B9C1-3A09295E2F91}" type="datetimeFigureOut">
               <a:rPr lang="zh-TW" altLang="en-US" smtClean="0"/>
-              <a:t>2022/3/14</a:t>
+              <a:t>2022/3/16</a:t>
             </a:fld>
             <a:endParaRPr lang="zh-TW" altLang="en-US"/>
           </a:p>
@@ -2758,7 +2941,7 @@
           <a:p>
             <a:fld id="{EC09F29B-51DF-41BF-B9C1-3A09295E2F91}" type="datetimeFigureOut">
               <a:rPr lang="zh-TW" altLang="en-US" smtClean="0"/>
-              <a:t>2022/3/14</a:t>
+              <a:t>2022/3/16</a:t>
             </a:fld>
             <a:endParaRPr lang="zh-TW" altLang="en-US"/>
           </a:p>
@@ -3046,7 +3229,7 @@
           <a:p>
             <a:fld id="{EC09F29B-51DF-41BF-B9C1-3A09295E2F91}" type="datetimeFigureOut">
               <a:rPr lang="zh-TW" altLang="en-US" smtClean="0"/>
-              <a:t>2022/3/14</a:t>
+              <a:t>2022/3/16</a:t>
             </a:fld>
             <a:endParaRPr lang="zh-TW" altLang="en-US"/>
           </a:p>
@@ -3287,7 +3470,7 @@
           <a:p>
             <a:fld id="{EC09F29B-51DF-41BF-B9C1-3A09295E2F91}" type="datetimeFigureOut">
               <a:rPr lang="zh-TW" altLang="en-US" smtClean="0"/>
-              <a:t>2022/3/14</a:t>
+              <a:t>2022/3/16</a:t>
             </a:fld>
             <a:endParaRPr lang="zh-TW" altLang="en-US"/>
           </a:p>
@@ -3830,6 +4013,840 @@
           <p:cNvPr id="2" name="標題 1">
             <a:extLst>
               <a:ext uri="{FF2B5EF4-FFF2-40B4-BE49-F238E27FC236}">
+                <a16:creationId xmlns:a16="http://schemas.microsoft.com/office/drawing/2014/main" id="{B004B942-3AF1-45FF-BDD5-0018CE1CEB7E}"/>
+              </a:ext>
+            </a:extLst>
+          </p:cNvPr>
+          <p:cNvSpPr>
+            <a:spLocks noGrp="1"/>
+          </p:cNvSpPr>
+          <p:nvPr>
+            <p:ph type="title"/>
+          </p:nvPr>
+        </p:nvSpPr>
+        <p:spPr/>
+        <p:txBody>
+          <a:bodyPr/>
+          <a:lstStyle/>
+          <a:p>
+            <a:endParaRPr lang="zh-TW" altLang="en-US"/>
+          </a:p>
+        </p:txBody>
+      </p:sp>
+      <p:pic>
+        <p:nvPicPr>
+          <p:cNvPr id="7" name="圖片 6">
+            <a:extLst>
+              <a:ext uri="{FF2B5EF4-FFF2-40B4-BE49-F238E27FC236}">
+                <a16:creationId xmlns:a16="http://schemas.microsoft.com/office/drawing/2014/main" id="{37C92DA3-996E-428E-B2B2-93E4009A9063}"/>
+              </a:ext>
+            </a:extLst>
+          </p:cNvPr>
+          <p:cNvPicPr>
+            <a:picLocks noChangeAspect="1"/>
+          </p:cNvPicPr>
+          <p:nvPr/>
+        </p:nvPicPr>
+        <p:blipFill>
+          <a:blip r:embed="rId2">
+            <a:extLst>
+              <a:ext uri="{28A0092B-C50C-407E-A947-70E740481C1C}">
+                <a14:useLocalDpi xmlns:a14="http://schemas.microsoft.com/office/drawing/2010/main" val="0"/>
+              </a:ext>
+            </a:extLst>
+          </a:blip>
+          <a:stretch>
+            <a:fillRect/>
+          </a:stretch>
+        </p:blipFill>
+        <p:spPr>
+          <a:xfrm>
+            <a:off x="2111829" y="1245231"/>
+            <a:ext cx="8291803" cy="4637540"/>
+          </a:xfrm>
+          <a:prstGeom prst="rect">
+            <a:avLst/>
+          </a:prstGeom>
+        </p:spPr>
+      </p:pic>
+      <p:sp>
+        <p:nvSpPr>
+          <p:cNvPr id="3" name="文字方塊 2">
+            <a:extLst>
+              <a:ext uri="{FF2B5EF4-FFF2-40B4-BE49-F238E27FC236}">
+                <a16:creationId xmlns:a16="http://schemas.microsoft.com/office/drawing/2014/main" id="{8436AC33-8C48-4406-9576-047A1FAD9F6E}"/>
+              </a:ext>
+            </a:extLst>
+          </p:cNvPr>
+          <p:cNvSpPr txBox="1"/>
+          <p:nvPr/>
+        </p:nvSpPr>
+        <p:spPr>
+          <a:xfrm>
+            <a:off x="2282122" y="5882771"/>
+            <a:ext cx="8172430" cy="830997"/>
+          </a:xfrm>
+          <a:prstGeom prst="rect">
+            <a:avLst/>
+          </a:prstGeom>
+          <a:noFill/>
+        </p:spPr>
+        <p:txBody>
+          <a:bodyPr wrap="none" rtlCol="0">
+            <a:spAutoFit/>
+          </a:bodyPr>
+          <a:lstStyle/>
+          <a:p>
+            <a:r>
+              <a:rPr lang="en-US" altLang="zh-TW" sz="4800" dirty="0"/>
+              <a:t>...</a:t>
+            </a:r>
+            <a:r>
+              <a:rPr lang="zh-TW" altLang="en-US" sz="4800" dirty="0"/>
+              <a:t>直到某數大於</a:t>
+            </a:r>
+            <a:r>
+              <a:rPr lang="en-US" altLang="zh-TW" sz="4800" dirty="0"/>
+              <a:t>...      </a:t>
+            </a:r>
+            <a:r>
+              <a:rPr lang="zh-TW" altLang="en-US" sz="4800" dirty="0"/>
+              <a:t>用小於</a:t>
+            </a:r>
+            <a:r>
+              <a:rPr lang="en-US" altLang="zh-TW" sz="4800" dirty="0"/>
+              <a:t>(&lt;)</a:t>
+            </a:r>
+            <a:endParaRPr lang="zh-TW" altLang="en-US" sz="4800" dirty="0"/>
+          </a:p>
+        </p:txBody>
+      </p:sp>
+      <p:sp>
+        <p:nvSpPr>
+          <p:cNvPr id="4" name="箭號: 向右 3">
+            <a:extLst>
+              <a:ext uri="{FF2B5EF4-FFF2-40B4-BE49-F238E27FC236}">
+                <a16:creationId xmlns:a16="http://schemas.microsoft.com/office/drawing/2014/main" id="{204834FF-DE9E-4D2F-8350-17364EE20D5F}"/>
+              </a:ext>
+            </a:extLst>
+          </p:cNvPr>
+          <p:cNvSpPr/>
+          <p:nvPr/>
+        </p:nvSpPr>
+        <p:spPr>
+          <a:xfrm>
+            <a:off x="7128588" y="6167535"/>
+            <a:ext cx="662473" cy="325340"/>
+          </a:xfrm>
+          <a:prstGeom prst="rightArrow">
+            <a:avLst/>
+          </a:prstGeom>
+        </p:spPr>
+        <p:style>
+          <a:lnRef idx="2">
+            <a:schemeClr val="accent1">
+              <a:shade val="50000"/>
+            </a:schemeClr>
+          </a:lnRef>
+          <a:fillRef idx="1">
+            <a:schemeClr val="accent1"/>
+          </a:fillRef>
+          <a:effectRef idx="0">
+            <a:schemeClr val="accent1"/>
+          </a:effectRef>
+          <a:fontRef idx="minor">
+            <a:schemeClr val="lt1"/>
+          </a:fontRef>
+        </p:style>
+        <p:txBody>
+          <a:bodyPr rtlCol="0" anchor="ctr"/>
+          <a:lstStyle/>
+          <a:p>
+            <a:pPr algn="ctr"/>
+            <a:endParaRPr lang="zh-TW" altLang="en-US"/>
+          </a:p>
+        </p:txBody>
+      </p:sp>
+    </p:spTree>
+    <p:extLst>
+      <p:ext uri="{BB962C8B-B14F-4D97-AF65-F5344CB8AC3E}">
+        <p14:creationId xmlns:p14="http://schemas.microsoft.com/office/powerpoint/2010/main" val="4033622373"/>
+      </p:ext>
+    </p:extLst>
+  </p:cSld>
+  <p:clrMapOvr>
+    <a:masterClrMapping/>
+  </p:clrMapOvr>
+  <p:timing>
+    <p:tnLst>
+      <p:par>
+        <p:cTn id="1" dur="indefinite" restart="never" nodeType="tmRoot">
+          <p:childTnLst>
+            <p:seq concurrent="1" nextAc="seek">
+              <p:cTn id="2" dur="indefinite" nodeType="mainSeq">
+                <p:childTnLst>
+                  <p:par>
+                    <p:cTn id="3" fill="hold">
+                      <p:stCondLst>
+                        <p:cond delay="indefinite"/>
+                      </p:stCondLst>
+                      <p:childTnLst>
+                        <p:par>
+                          <p:cTn id="4" fill="hold">
+                            <p:stCondLst>
+                              <p:cond delay="0"/>
+                            </p:stCondLst>
+                            <p:childTnLst>
+                              <p:par>
+                                <p:cTn id="5" presetID="1" presetClass="entr" presetSubtype="0" fill="hold" grpId="0" nodeType="clickEffect">
+                                  <p:stCondLst>
+                                    <p:cond delay="0"/>
+                                  </p:stCondLst>
+                                  <p:childTnLst>
+                                    <p:set>
+                                      <p:cBhvr>
+                                        <p:cTn id="6" dur="1" fill="hold">
+                                          <p:stCondLst>
+                                            <p:cond delay="0"/>
+                                          </p:stCondLst>
+                                        </p:cTn>
+                                        <p:tgtEl>
+                                          <p:spTgt spid="3"/>
+                                        </p:tgtEl>
+                                        <p:attrNameLst>
+                                          <p:attrName>style.visibility</p:attrName>
+                                        </p:attrNameLst>
+                                      </p:cBhvr>
+                                      <p:to>
+                                        <p:strVal val="visible"/>
+                                      </p:to>
+                                    </p:set>
+                                  </p:childTnLst>
+                                </p:cTn>
+                              </p:par>
+                            </p:childTnLst>
+                          </p:cTn>
+                        </p:par>
+                      </p:childTnLst>
+                    </p:cTn>
+                  </p:par>
+                </p:childTnLst>
+              </p:cTn>
+              <p:prevCondLst>
+                <p:cond evt="onPrev" delay="0">
+                  <p:tgtEl>
+                    <p:sldTgt/>
+                  </p:tgtEl>
+                </p:cond>
+              </p:prevCondLst>
+              <p:nextCondLst>
+                <p:cond evt="onNext" delay="0">
+                  <p:tgtEl>
+                    <p:sldTgt/>
+                  </p:tgtEl>
+                </p:cond>
+              </p:nextCondLst>
+            </p:seq>
+          </p:childTnLst>
+        </p:cTn>
+      </p:par>
+    </p:tnLst>
+    <p:bldLst>
+      <p:bldP spid="3" grpId="0"/>
+    </p:bldLst>
+  </p:timing>
+</p:sld>
+</file>
+
+<file path=ppt/slides/slide11.xml><?xml version="1.0" encoding="utf-8"?>
+<p:sld xmlns:a="http://schemas.openxmlformats.org/drawingml/2006/main" xmlns:r="http://schemas.openxmlformats.org/officeDocument/2006/relationships" xmlns:p="http://schemas.openxmlformats.org/presentationml/2006/main">
+  <p:cSld>
+    <p:spTree>
+      <p:nvGrpSpPr>
+        <p:cNvPr id="1" name=""/>
+        <p:cNvGrpSpPr/>
+        <p:nvPr/>
+      </p:nvGrpSpPr>
+      <p:grpSpPr>
+        <a:xfrm>
+          <a:off x="0" y="0"/>
+          <a:ext cx="0" cy="0"/>
+          <a:chOff x="0" y="0"/>
+          <a:chExt cx="0" cy="0"/>
+        </a:xfrm>
+      </p:grpSpPr>
+      <p:sp>
+        <p:nvSpPr>
+          <p:cNvPr id="2" name="標題 1">
+            <a:extLst>
+              <a:ext uri="{FF2B5EF4-FFF2-40B4-BE49-F238E27FC236}">
+                <a16:creationId xmlns:a16="http://schemas.microsoft.com/office/drawing/2014/main" id="{ACA816FF-9137-46A3-A97A-1ACA508F53CA}"/>
+              </a:ext>
+            </a:extLst>
+          </p:cNvPr>
+          <p:cNvSpPr>
+            <a:spLocks noGrp="1"/>
+          </p:cNvSpPr>
+          <p:nvPr>
+            <p:ph type="title"/>
+          </p:nvPr>
+        </p:nvSpPr>
+        <p:spPr/>
+        <p:txBody>
+          <a:bodyPr/>
+          <a:lstStyle/>
+          <a:p>
+            <a:endParaRPr lang="zh-TW" altLang="en-US"/>
+          </a:p>
+        </p:txBody>
+      </p:sp>
+      <p:pic>
+        <p:nvPicPr>
+          <p:cNvPr id="5" name="內容版面配置區 4">
+            <a:extLst>
+              <a:ext uri="{FF2B5EF4-FFF2-40B4-BE49-F238E27FC236}">
+                <a16:creationId xmlns:a16="http://schemas.microsoft.com/office/drawing/2014/main" id="{ADAEB870-3D23-4E84-91E8-7F767FF1D9F3}"/>
+              </a:ext>
+            </a:extLst>
+          </p:cNvPr>
+          <p:cNvPicPr>
+            <a:picLocks noGrp="1" noChangeAspect="1"/>
+          </p:cNvPicPr>
+          <p:nvPr>
+            <p:ph idx="1"/>
+          </p:nvPr>
+        </p:nvPicPr>
+        <p:blipFill>
+          <a:blip r:embed="rId2">
+            <a:extLst>
+              <a:ext uri="{28A0092B-C50C-407E-A947-70E740481C1C}">
+                <a14:useLocalDpi xmlns:a14="http://schemas.microsoft.com/office/drawing/2010/main" val="0"/>
+              </a:ext>
+            </a:extLst>
+          </a:blip>
+          <a:stretch>
+            <a:fillRect/>
+          </a:stretch>
+        </p:blipFill>
+        <p:spPr>
+          <a:xfrm>
+            <a:off x="1850264" y="1285615"/>
+            <a:ext cx="8271514" cy="4424719"/>
+          </a:xfrm>
+        </p:spPr>
+      </p:pic>
+      <p:sp>
+        <p:nvSpPr>
+          <p:cNvPr id="3" name="文字方塊 2">
+            <a:extLst>
+              <a:ext uri="{FF2B5EF4-FFF2-40B4-BE49-F238E27FC236}">
+                <a16:creationId xmlns:a16="http://schemas.microsoft.com/office/drawing/2014/main" id="{8E6FF367-93DC-4BC3-B848-B22617CAB8EC}"/>
+              </a:ext>
+            </a:extLst>
+          </p:cNvPr>
+          <p:cNvSpPr txBox="1"/>
+          <p:nvPr/>
+        </p:nvSpPr>
+        <p:spPr>
+          <a:xfrm>
+            <a:off x="4581332" y="5799827"/>
+            <a:ext cx="909223" cy="830997"/>
+          </a:xfrm>
+          <a:prstGeom prst="rect">
+            <a:avLst/>
+          </a:prstGeom>
+          <a:noFill/>
+        </p:spPr>
+        <p:txBody>
+          <a:bodyPr wrap="none" rtlCol="0">
+            <a:spAutoFit/>
+          </a:bodyPr>
+          <a:lstStyle/>
+          <a:p>
+            <a:r>
+              <a:rPr lang="en-US" altLang="zh-TW" sz="4800" dirty="0" err="1"/>
+              <a:t>cin</a:t>
+            </a:r>
+            <a:endParaRPr lang="zh-TW" altLang="en-US" sz="4800" dirty="0"/>
+          </a:p>
+        </p:txBody>
+      </p:sp>
+      <p:sp>
+        <p:nvSpPr>
+          <p:cNvPr id="4" name="箭號: 向右 3">
+            <a:extLst>
+              <a:ext uri="{FF2B5EF4-FFF2-40B4-BE49-F238E27FC236}">
+                <a16:creationId xmlns:a16="http://schemas.microsoft.com/office/drawing/2014/main" id="{5A49337A-D5D3-4E35-A196-330579B07DED}"/>
+              </a:ext>
+            </a:extLst>
+          </p:cNvPr>
+          <p:cNvSpPr/>
+          <p:nvPr/>
+        </p:nvSpPr>
+        <p:spPr>
+          <a:xfrm>
+            <a:off x="2649894" y="6018245"/>
+            <a:ext cx="1623526" cy="401216"/>
+          </a:xfrm>
+          <a:prstGeom prst="rightArrow">
+            <a:avLst/>
+          </a:prstGeom>
+        </p:spPr>
+        <p:style>
+          <a:lnRef idx="2">
+            <a:schemeClr val="accent1">
+              <a:shade val="50000"/>
+            </a:schemeClr>
+          </a:lnRef>
+          <a:fillRef idx="1">
+            <a:schemeClr val="accent1"/>
+          </a:fillRef>
+          <a:effectRef idx="0">
+            <a:schemeClr val="accent1"/>
+          </a:effectRef>
+          <a:fontRef idx="minor">
+            <a:schemeClr val="lt1"/>
+          </a:fontRef>
+        </p:style>
+        <p:txBody>
+          <a:bodyPr rtlCol="0" anchor="ctr"/>
+          <a:lstStyle/>
+          <a:p>
+            <a:pPr algn="ctr"/>
+            <a:endParaRPr lang="zh-TW" altLang="en-US"/>
+          </a:p>
+        </p:txBody>
+      </p:sp>
+    </p:spTree>
+    <p:extLst>
+      <p:ext uri="{BB962C8B-B14F-4D97-AF65-F5344CB8AC3E}">
+        <p14:creationId xmlns:p14="http://schemas.microsoft.com/office/powerpoint/2010/main" val="373037958"/>
+      </p:ext>
+    </p:extLst>
+  </p:cSld>
+  <p:clrMapOvr>
+    <a:masterClrMapping/>
+  </p:clrMapOvr>
+  <p:timing>
+    <p:tnLst>
+      <p:par>
+        <p:cTn id="1" dur="indefinite" restart="never" nodeType="tmRoot">
+          <p:childTnLst>
+            <p:seq concurrent="1" nextAc="seek">
+              <p:cTn id="2" dur="indefinite" nodeType="mainSeq">
+                <p:childTnLst>
+                  <p:par>
+                    <p:cTn id="3" fill="hold">
+                      <p:stCondLst>
+                        <p:cond delay="indefinite"/>
+                      </p:stCondLst>
+                      <p:childTnLst>
+                        <p:par>
+                          <p:cTn id="4" fill="hold">
+                            <p:stCondLst>
+                              <p:cond delay="0"/>
+                            </p:stCondLst>
+                            <p:childTnLst>
+                              <p:par>
+                                <p:cTn id="5" presetID="1" presetClass="entr" presetSubtype="0" fill="hold" grpId="0" nodeType="clickEffect">
+                                  <p:stCondLst>
+                                    <p:cond delay="0"/>
+                                  </p:stCondLst>
+                                  <p:childTnLst>
+                                    <p:set>
+                                      <p:cBhvr>
+                                        <p:cTn id="6" dur="1" fill="hold">
+                                          <p:stCondLst>
+                                            <p:cond delay="0"/>
+                                          </p:stCondLst>
+                                        </p:cTn>
+                                        <p:tgtEl>
+                                          <p:spTgt spid="4"/>
+                                        </p:tgtEl>
+                                        <p:attrNameLst>
+                                          <p:attrName>style.visibility</p:attrName>
+                                        </p:attrNameLst>
+                                      </p:cBhvr>
+                                      <p:to>
+                                        <p:strVal val="visible"/>
+                                      </p:to>
+                                    </p:set>
+                                  </p:childTnLst>
+                                </p:cTn>
+                              </p:par>
+                              <p:par>
+                                <p:cTn id="7" presetID="1" presetClass="entr" presetSubtype="0" fill="hold" grpId="0" nodeType="withEffect">
+                                  <p:stCondLst>
+                                    <p:cond delay="0"/>
+                                  </p:stCondLst>
+                                  <p:childTnLst>
+                                    <p:set>
+                                      <p:cBhvr>
+                                        <p:cTn id="8" dur="1" fill="hold">
+                                          <p:stCondLst>
+                                            <p:cond delay="0"/>
+                                          </p:stCondLst>
+                                        </p:cTn>
+                                        <p:tgtEl>
+                                          <p:spTgt spid="3"/>
+                                        </p:tgtEl>
+                                        <p:attrNameLst>
+                                          <p:attrName>style.visibility</p:attrName>
+                                        </p:attrNameLst>
+                                      </p:cBhvr>
+                                      <p:to>
+                                        <p:strVal val="visible"/>
+                                      </p:to>
+                                    </p:set>
+                                  </p:childTnLst>
+                                </p:cTn>
+                              </p:par>
+                            </p:childTnLst>
+                          </p:cTn>
+                        </p:par>
+                      </p:childTnLst>
+                    </p:cTn>
+                  </p:par>
+                </p:childTnLst>
+              </p:cTn>
+              <p:prevCondLst>
+                <p:cond evt="onPrev" delay="0">
+                  <p:tgtEl>
+                    <p:sldTgt/>
+                  </p:tgtEl>
+                </p:cond>
+              </p:prevCondLst>
+              <p:nextCondLst>
+                <p:cond evt="onNext" delay="0">
+                  <p:tgtEl>
+                    <p:sldTgt/>
+                  </p:tgtEl>
+                </p:cond>
+              </p:nextCondLst>
+            </p:seq>
+          </p:childTnLst>
+        </p:cTn>
+      </p:par>
+    </p:tnLst>
+    <p:bldLst>
+      <p:bldP spid="3" grpId="0"/>
+      <p:bldP spid="4" grpId="0" animBg="1"/>
+    </p:bldLst>
+  </p:timing>
+</p:sld>
+</file>
+
+<file path=ppt/slides/slide12.xml><?xml version="1.0" encoding="utf-8"?>
+<p:sld xmlns:a="http://schemas.openxmlformats.org/drawingml/2006/main" xmlns:r="http://schemas.openxmlformats.org/officeDocument/2006/relationships" xmlns:p="http://schemas.openxmlformats.org/presentationml/2006/main">
+  <p:cSld>
+    <p:spTree>
+      <p:nvGrpSpPr>
+        <p:cNvPr id="1" name=""/>
+        <p:cNvGrpSpPr/>
+        <p:nvPr/>
+      </p:nvGrpSpPr>
+      <p:grpSpPr>
+        <a:xfrm>
+          <a:off x="0" y="0"/>
+          <a:ext cx="0" cy="0"/>
+          <a:chOff x="0" y="0"/>
+          <a:chExt cx="0" cy="0"/>
+        </a:xfrm>
+      </p:grpSpPr>
+      <p:sp>
+        <p:nvSpPr>
+          <p:cNvPr id="2" name="標題 1">
+            <a:extLst>
+              <a:ext uri="{FF2B5EF4-FFF2-40B4-BE49-F238E27FC236}">
+                <a16:creationId xmlns:a16="http://schemas.microsoft.com/office/drawing/2014/main" id="{AD08C425-B60D-4FEB-BA87-4742710A70B3}"/>
+              </a:ext>
+            </a:extLst>
+          </p:cNvPr>
+          <p:cNvSpPr>
+            <a:spLocks noGrp="1"/>
+          </p:cNvSpPr>
+          <p:nvPr>
+            <p:ph type="title"/>
+          </p:nvPr>
+        </p:nvSpPr>
+        <p:spPr/>
+        <p:txBody>
+          <a:bodyPr>
+            <a:normAutofit/>
+          </a:bodyPr>
+          <a:lstStyle/>
+          <a:p>
+            <a:pPr algn="ctr"/>
+            <a:r>
+              <a:rPr lang="zh-TW" altLang="en-US" sz="6000" dirty="0"/>
+              <a:t>練習</a:t>
+            </a:r>
+            <a:r>
+              <a:rPr lang="en-US" altLang="zh-TW" sz="6000" dirty="0"/>
+              <a:t>1</a:t>
+            </a:r>
+            <a:endParaRPr lang="zh-TW" altLang="en-US" sz="6000" dirty="0"/>
+          </a:p>
+        </p:txBody>
+      </p:sp>
+      <p:sp>
+        <p:nvSpPr>
+          <p:cNvPr id="3" name="內容版面配置區 2">
+            <a:extLst>
+              <a:ext uri="{FF2B5EF4-FFF2-40B4-BE49-F238E27FC236}">
+                <a16:creationId xmlns:a16="http://schemas.microsoft.com/office/drawing/2014/main" id="{504590A5-A08F-4D90-A87B-F0AC42C1C9FD}"/>
+              </a:ext>
+            </a:extLst>
+          </p:cNvPr>
+          <p:cNvSpPr>
+            <a:spLocks noGrp="1"/>
+          </p:cNvSpPr>
+          <p:nvPr>
+            <p:ph idx="1"/>
+          </p:nvPr>
+        </p:nvSpPr>
+        <p:spPr/>
+        <p:txBody>
+          <a:bodyPr>
+            <a:normAutofit/>
+          </a:bodyPr>
+          <a:lstStyle/>
+          <a:p>
+            <a:r>
+              <a:rPr lang="zh-TW" altLang="en-US" sz="4400" dirty="0"/>
+              <a:t>輸出一數，此數為</a:t>
+            </a:r>
+            <a:r>
+              <a:rPr lang="en-US" altLang="zh-TW" sz="4400" dirty="0"/>
+              <a:t>2</a:t>
+            </a:r>
+            <a:r>
+              <a:rPr lang="zh-TW" altLang="en-US" sz="4400" dirty="0"/>
+              <a:t>的次方、大於</a:t>
+            </a:r>
+            <a:r>
+              <a:rPr lang="en-US" altLang="zh-TW" sz="4400" dirty="0"/>
+              <a:t>10000</a:t>
+            </a:r>
+            <a:r>
+              <a:rPr lang="zh-TW" altLang="en-US" sz="4400" dirty="0"/>
+              <a:t>，且最接近</a:t>
+            </a:r>
+            <a:r>
+              <a:rPr lang="en-US" altLang="zh-TW" sz="4400" dirty="0"/>
+              <a:t>10000 </a:t>
+            </a:r>
+            <a:r>
+              <a:rPr lang="zh-TW" altLang="en-US" sz="4400" dirty="0"/>
+              <a:t>。</a:t>
+            </a:r>
+            <a:endParaRPr lang="en-US" altLang="zh-TW" sz="4400" dirty="0"/>
+          </a:p>
+          <a:p>
+            <a:endParaRPr lang="en-US" altLang="zh-TW" sz="4400" dirty="0"/>
+          </a:p>
+          <a:p>
+            <a:r>
+              <a:rPr lang="en-US" altLang="zh-TW" sz="4400" dirty="0"/>
+              <a:t>Hint: </a:t>
+            </a:r>
+            <a:r>
+              <a:rPr lang="zh-TW" altLang="en-US" sz="4400" dirty="0"/>
+              <a:t>用</a:t>
+            </a:r>
+            <a:r>
+              <a:rPr lang="en-US" altLang="zh-TW" sz="4400" dirty="0"/>
+              <a:t>while</a:t>
+            </a:r>
+          </a:p>
+        </p:txBody>
+      </p:sp>
+    </p:spTree>
+    <p:extLst>
+      <p:ext uri="{BB962C8B-B14F-4D97-AF65-F5344CB8AC3E}">
+        <p14:creationId xmlns:p14="http://schemas.microsoft.com/office/powerpoint/2010/main" val="2564182225"/>
+      </p:ext>
+    </p:extLst>
+  </p:cSld>
+  <p:clrMapOvr>
+    <a:masterClrMapping/>
+  </p:clrMapOvr>
+</p:sld>
+</file>
+
+<file path=ppt/slides/slide13.xml><?xml version="1.0" encoding="utf-8"?>
+<p:sld xmlns:a="http://schemas.openxmlformats.org/drawingml/2006/main" xmlns:r="http://schemas.openxmlformats.org/officeDocument/2006/relationships" xmlns:p="http://schemas.openxmlformats.org/presentationml/2006/main">
+  <p:cSld>
+    <p:spTree>
+      <p:nvGrpSpPr>
+        <p:cNvPr id="1" name=""/>
+        <p:cNvGrpSpPr/>
+        <p:nvPr/>
+      </p:nvGrpSpPr>
+      <p:grpSpPr>
+        <a:xfrm>
+          <a:off x="0" y="0"/>
+          <a:ext cx="0" cy="0"/>
+          <a:chOff x="0" y="0"/>
+          <a:chExt cx="0" cy="0"/>
+        </a:xfrm>
+      </p:grpSpPr>
+      <p:sp>
+        <p:nvSpPr>
+          <p:cNvPr id="2" name="標題 1">
+            <a:extLst>
+              <a:ext uri="{FF2B5EF4-FFF2-40B4-BE49-F238E27FC236}">
+                <a16:creationId xmlns:a16="http://schemas.microsoft.com/office/drawing/2014/main" id="{A5B2B630-1854-44DA-A211-698ED829BBE0}"/>
+              </a:ext>
+            </a:extLst>
+          </p:cNvPr>
+          <p:cNvSpPr>
+            <a:spLocks noGrp="1"/>
+          </p:cNvSpPr>
+          <p:nvPr>
+            <p:ph type="title"/>
+          </p:nvPr>
+        </p:nvSpPr>
+        <p:spPr/>
+        <p:txBody>
+          <a:bodyPr/>
+          <a:lstStyle/>
+          <a:p>
+            <a:endParaRPr lang="zh-TW" altLang="en-US"/>
+          </a:p>
+        </p:txBody>
+      </p:sp>
+      <p:pic>
+        <p:nvPicPr>
+          <p:cNvPr id="9" name="內容版面配置區 8">
+            <a:extLst>
+              <a:ext uri="{FF2B5EF4-FFF2-40B4-BE49-F238E27FC236}">
+                <a16:creationId xmlns:a16="http://schemas.microsoft.com/office/drawing/2014/main" id="{545919DD-92DC-44AF-B1C0-BB0286C73A2E}"/>
+              </a:ext>
+            </a:extLst>
+          </p:cNvPr>
+          <p:cNvPicPr>
+            <a:picLocks noGrp="1" noChangeAspect="1"/>
+          </p:cNvPicPr>
+          <p:nvPr>
+            <p:ph idx="1"/>
+          </p:nvPr>
+        </p:nvPicPr>
+        <p:blipFill>
+          <a:blip r:embed="rId2">
+            <a:extLst>
+              <a:ext uri="{28A0092B-C50C-407E-A947-70E740481C1C}">
+                <a14:useLocalDpi xmlns:a14="http://schemas.microsoft.com/office/drawing/2010/main" val="0"/>
+              </a:ext>
+            </a:extLst>
+          </a:blip>
+          <a:stretch>
+            <a:fillRect/>
+          </a:stretch>
+        </p:blipFill>
+        <p:spPr>
+          <a:xfrm>
+            <a:off x="1929944" y="895387"/>
+            <a:ext cx="8332112" cy="5067226"/>
+          </a:xfrm>
+        </p:spPr>
+      </p:pic>
+      <p:sp>
+        <p:nvSpPr>
+          <p:cNvPr id="4" name="矩形 3">
+            <a:extLst>
+              <a:ext uri="{FF2B5EF4-FFF2-40B4-BE49-F238E27FC236}">
+                <a16:creationId xmlns:a16="http://schemas.microsoft.com/office/drawing/2014/main" id="{418A6F48-079F-4551-B2D7-DB24336B117B}"/>
+              </a:ext>
+            </a:extLst>
+          </p:cNvPr>
+          <p:cNvSpPr/>
+          <p:nvPr/>
+        </p:nvSpPr>
+        <p:spPr>
+          <a:xfrm>
+            <a:off x="3941788" y="5934670"/>
+            <a:ext cx="2757486" cy="923330"/>
+          </a:xfrm>
+          <a:prstGeom prst="rect">
+            <a:avLst/>
+          </a:prstGeom>
+          <a:noFill/>
+        </p:spPr>
+        <p:txBody>
+          <a:bodyPr wrap="none" lIns="91440" tIns="45720" rIns="91440" bIns="45720">
+            <a:spAutoFit/>
+          </a:bodyPr>
+          <a:lstStyle/>
+          <a:p>
+            <a:r>
+              <a:rPr lang="en-US" altLang="zh-TW" sz="5400" dirty="0" err="1">
+                <a:solidFill>
+                  <a:schemeClr val="accent4">
+                    <a:lumMod val="60000"/>
+                    <a:lumOff val="40000"/>
+                  </a:schemeClr>
+                </a:solidFill>
+              </a:rPr>
+              <a:t>i</a:t>
+            </a:r>
+            <a:r>
+              <a:rPr lang="en-US" altLang="zh-TW" sz="5400" dirty="0">
+                <a:solidFill>
+                  <a:schemeClr val="accent4">
+                    <a:lumMod val="60000"/>
+                    <a:lumOff val="40000"/>
+                  </a:schemeClr>
+                </a:solidFill>
+              </a:rPr>
+              <a:t> = 16384</a:t>
+            </a:r>
+            <a:endParaRPr lang="zh-TW" altLang="en-US" sz="5400" dirty="0">
+              <a:solidFill>
+                <a:schemeClr val="accent4">
+                  <a:lumMod val="60000"/>
+                  <a:lumOff val="40000"/>
+                </a:schemeClr>
+              </a:solidFill>
+            </a:endParaRPr>
+          </a:p>
+        </p:txBody>
+      </p:sp>
+    </p:spTree>
+    <p:extLst>
+      <p:ext uri="{BB962C8B-B14F-4D97-AF65-F5344CB8AC3E}">
+        <p14:creationId xmlns:p14="http://schemas.microsoft.com/office/powerpoint/2010/main" val="4200806447"/>
+      </p:ext>
+    </p:extLst>
+  </p:cSld>
+  <p:clrMapOvr>
+    <a:masterClrMapping/>
+  </p:clrMapOvr>
+</p:sld>
+</file>
+
+<file path=ppt/slides/slide14.xml><?xml version="1.0" encoding="utf-8"?>
+<p:sld xmlns:a="http://schemas.openxmlformats.org/drawingml/2006/main" xmlns:r="http://schemas.openxmlformats.org/officeDocument/2006/relationships" xmlns:p="http://schemas.openxmlformats.org/presentationml/2006/main">
+  <p:cSld>
+    <p:spTree>
+      <p:nvGrpSpPr>
+        <p:cNvPr id="1" name=""/>
+        <p:cNvGrpSpPr/>
+        <p:nvPr/>
+      </p:nvGrpSpPr>
+      <p:grpSpPr>
+        <a:xfrm>
+          <a:off x="0" y="0"/>
+          <a:ext cx="0" cy="0"/>
+          <a:chOff x="0" y="0"/>
+          <a:chExt cx="0" cy="0"/>
+        </a:xfrm>
+      </p:grpSpPr>
+      <p:sp>
+        <p:nvSpPr>
+          <p:cNvPr id="2" name="標題 1">
+            <a:extLst>
+              <a:ext uri="{FF2B5EF4-FFF2-40B4-BE49-F238E27FC236}">
                 <a16:creationId xmlns:a16="http://schemas.microsoft.com/office/drawing/2014/main" id="{9CCD4D85-D9C4-4DE5-8A82-E3CD840A0D57}"/>
               </a:ext>
             </a:extLst>
@@ -3940,412 +4957,6 @@
 </p:sld>
 </file>
 
-<file path=ppt/slides/slide11.xml><?xml version="1.0" encoding="utf-8"?>
-<p:sld xmlns:a="http://schemas.openxmlformats.org/drawingml/2006/main" xmlns:r="http://schemas.openxmlformats.org/officeDocument/2006/relationships" xmlns:p="http://schemas.openxmlformats.org/presentationml/2006/main">
-  <p:cSld>
-    <p:spTree>
-      <p:nvGrpSpPr>
-        <p:cNvPr id="1" name=""/>
-        <p:cNvGrpSpPr/>
-        <p:nvPr/>
-      </p:nvGrpSpPr>
-      <p:grpSpPr>
-        <a:xfrm>
-          <a:off x="0" y="0"/>
-          <a:ext cx="0" cy="0"/>
-          <a:chOff x="0" y="0"/>
-          <a:chExt cx="0" cy="0"/>
-        </a:xfrm>
-      </p:grpSpPr>
-      <p:sp>
-        <p:nvSpPr>
-          <p:cNvPr id="2" name="標題 1">
-            <a:extLst>
-              <a:ext uri="{FF2B5EF4-FFF2-40B4-BE49-F238E27FC236}">
-                <a16:creationId xmlns:a16="http://schemas.microsoft.com/office/drawing/2014/main" id="{8A470C24-EA22-4A86-9B9C-647869DC2220}"/>
-              </a:ext>
-            </a:extLst>
-          </p:cNvPr>
-          <p:cNvSpPr>
-            <a:spLocks noGrp="1"/>
-          </p:cNvSpPr>
-          <p:nvPr>
-            <p:ph type="title"/>
-          </p:nvPr>
-        </p:nvSpPr>
-        <p:spPr/>
-        <p:txBody>
-          <a:bodyPr/>
-          <a:lstStyle/>
-          <a:p>
-            <a:endParaRPr lang="zh-TW" altLang="en-US"/>
-          </a:p>
-        </p:txBody>
-      </p:sp>
-      <p:pic>
-        <p:nvPicPr>
-          <p:cNvPr id="5" name="內容版面配置區 4">
-            <a:extLst>
-              <a:ext uri="{FF2B5EF4-FFF2-40B4-BE49-F238E27FC236}">
-                <a16:creationId xmlns:a16="http://schemas.microsoft.com/office/drawing/2014/main" id="{A60CB618-2179-4AE1-92EC-0B68277AE794}"/>
-              </a:ext>
-            </a:extLst>
-          </p:cNvPr>
-          <p:cNvPicPr>
-            <a:picLocks noGrp="1" noChangeAspect="1"/>
-          </p:cNvPicPr>
-          <p:nvPr>
-            <p:ph idx="1"/>
-          </p:nvPr>
-        </p:nvPicPr>
-        <p:blipFill>
-          <a:blip r:embed="rId2">
-            <a:extLst>
-              <a:ext uri="{28A0092B-C50C-407E-A947-70E740481C1C}">
-                <a14:useLocalDpi xmlns:a14="http://schemas.microsoft.com/office/drawing/2010/main" val="0"/>
-              </a:ext>
-            </a:extLst>
-          </a:blip>
-          <a:stretch>
-            <a:fillRect/>
-          </a:stretch>
-        </p:blipFill>
-        <p:spPr>
-          <a:xfrm>
-            <a:off x="2852188" y="365125"/>
-            <a:ext cx="6487624" cy="6234597"/>
-          </a:xfrm>
-        </p:spPr>
-      </p:pic>
-    </p:spTree>
-    <p:extLst>
-      <p:ext uri="{BB962C8B-B14F-4D97-AF65-F5344CB8AC3E}">
-        <p14:creationId xmlns:p14="http://schemas.microsoft.com/office/powerpoint/2010/main" val="3457253815"/>
-      </p:ext>
-    </p:extLst>
-  </p:cSld>
-  <p:clrMapOvr>
-    <a:masterClrMapping/>
-  </p:clrMapOvr>
-</p:sld>
-</file>
-
-<file path=ppt/slides/slide12.xml><?xml version="1.0" encoding="utf-8"?>
-<p:sld xmlns:a="http://schemas.openxmlformats.org/drawingml/2006/main" xmlns:r="http://schemas.openxmlformats.org/officeDocument/2006/relationships" xmlns:p="http://schemas.openxmlformats.org/presentationml/2006/main">
-  <p:cSld>
-    <p:spTree>
-      <p:nvGrpSpPr>
-        <p:cNvPr id="1" name=""/>
-        <p:cNvGrpSpPr/>
-        <p:nvPr/>
-      </p:nvGrpSpPr>
-      <p:grpSpPr>
-        <a:xfrm>
-          <a:off x="0" y="0"/>
-          <a:ext cx="0" cy="0"/>
-          <a:chOff x="0" y="0"/>
-          <a:chExt cx="0" cy="0"/>
-        </a:xfrm>
-      </p:grpSpPr>
-      <p:sp>
-        <p:nvSpPr>
-          <p:cNvPr id="2" name="標題 1">
-            <a:extLst>
-              <a:ext uri="{FF2B5EF4-FFF2-40B4-BE49-F238E27FC236}">
-                <a16:creationId xmlns:a16="http://schemas.microsoft.com/office/drawing/2014/main" id="{98FA3626-9200-4871-B896-B2BF20D7E173}"/>
-              </a:ext>
-            </a:extLst>
-          </p:cNvPr>
-          <p:cNvSpPr>
-            <a:spLocks noGrp="1"/>
-          </p:cNvSpPr>
-          <p:nvPr>
-            <p:ph type="title"/>
-          </p:nvPr>
-        </p:nvSpPr>
-        <p:spPr/>
-        <p:txBody>
-          <a:bodyPr>
-            <a:normAutofit/>
-          </a:bodyPr>
-          <a:lstStyle/>
-          <a:p>
-            <a:pPr algn="ctr"/>
-            <a:r>
-              <a:rPr lang="en-US" altLang="zh-TW" sz="6600" dirty="0"/>
-              <a:t>break</a:t>
-            </a:r>
-            <a:endParaRPr lang="zh-TW" altLang="en-US" sz="6600" dirty="0"/>
-          </a:p>
-        </p:txBody>
-      </p:sp>
-      <p:sp>
-        <p:nvSpPr>
-          <p:cNvPr id="3" name="內容版面配置區 2">
-            <a:extLst>
-              <a:ext uri="{FF2B5EF4-FFF2-40B4-BE49-F238E27FC236}">
-                <a16:creationId xmlns:a16="http://schemas.microsoft.com/office/drawing/2014/main" id="{D69299B6-3055-418A-90A4-EAAB0849407D}"/>
-              </a:ext>
-            </a:extLst>
-          </p:cNvPr>
-          <p:cNvSpPr>
-            <a:spLocks noGrp="1"/>
-          </p:cNvSpPr>
-          <p:nvPr>
-            <p:ph idx="1"/>
-          </p:nvPr>
-        </p:nvSpPr>
-        <p:spPr/>
-        <p:txBody>
-          <a:bodyPr/>
-          <a:lstStyle/>
-          <a:p>
-            <a:endParaRPr lang="zh-TW" altLang="en-US"/>
-          </a:p>
-        </p:txBody>
-      </p:sp>
-    </p:spTree>
-    <p:extLst>
-      <p:ext uri="{BB962C8B-B14F-4D97-AF65-F5344CB8AC3E}">
-        <p14:creationId xmlns:p14="http://schemas.microsoft.com/office/powerpoint/2010/main" val="3502014738"/>
-      </p:ext>
-    </p:extLst>
-  </p:cSld>
-  <p:clrMapOvr>
-    <a:masterClrMapping/>
-  </p:clrMapOvr>
-</p:sld>
-</file>
-
-<file path=ppt/slides/slide13.xml><?xml version="1.0" encoding="utf-8"?>
-<p:sld xmlns:a="http://schemas.openxmlformats.org/drawingml/2006/main" xmlns:r="http://schemas.openxmlformats.org/officeDocument/2006/relationships" xmlns:p="http://schemas.openxmlformats.org/presentationml/2006/main">
-  <p:cSld>
-    <p:spTree>
-      <p:nvGrpSpPr>
-        <p:cNvPr id="1" name=""/>
-        <p:cNvGrpSpPr/>
-        <p:nvPr/>
-      </p:nvGrpSpPr>
-      <p:grpSpPr>
-        <a:xfrm>
-          <a:off x="0" y="0"/>
-          <a:ext cx="0" cy="0"/>
-          <a:chOff x="0" y="0"/>
-          <a:chExt cx="0" cy="0"/>
-        </a:xfrm>
-      </p:grpSpPr>
-      <p:sp>
-        <p:nvSpPr>
-          <p:cNvPr id="2" name="標題 1">
-            <a:extLst>
-              <a:ext uri="{FF2B5EF4-FFF2-40B4-BE49-F238E27FC236}">
-                <a16:creationId xmlns:a16="http://schemas.microsoft.com/office/drawing/2014/main" id="{4C928104-769F-4CE2-A1A3-0C4B73907C68}"/>
-              </a:ext>
-            </a:extLst>
-          </p:cNvPr>
-          <p:cNvSpPr>
-            <a:spLocks noGrp="1"/>
-          </p:cNvSpPr>
-          <p:nvPr>
-            <p:ph type="title"/>
-          </p:nvPr>
-        </p:nvSpPr>
-        <p:spPr/>
-        <p:txBody>
-          <a:bodyPr>
-            <a:normAutofit/>
-          </a:bodyPr>
-          <a:lstStyle/>
-          <a:p>
-            <a:pPr algn="ctr"/>
-            <a:r>
-              <a:rPr lang="zh-TW" altLang="en-US" sz="5400" dirty="0"/>
-              <a:t>練習</a:t>
-            </a:r>
-            <a:r>
-              <a:rPr lang="en-US" altLang="zh-TW" sz="5400" dirty="0"/>
-              <a:t>2</a:t>
-            </a:r>
-            <a:r>
-              <a:rPr lang="zh-TW" altLang="en-US" sz="5400" dirty="0"/>
-              <a:t>延伸</a:t>
-            </a:r>
-          </a:p>
-        </p:txBody>
-      </p:sp>
-      <p:sp>
-        <p:nvSpPr>
-          <p:cNvPr id="3" name="內容版面配置區 2">
-            <a:extLst>
-              <a:ext uri="{FF2B5EF4-FFF2-40B4-BE49-F238E27FC236}">
-                <a16:creationId xmlns:a16="http://schemas.microsoft.com/office/drawing/2014/main" id="{9B1C6543-7390-4B4C-B0CB-053A787F777F}"/>
-              </a:ext>
-            </a:extLst>
-          </p:cNvPr>
-          <p:cNvSpPr>
-            <a:spLocks noGrp="1"/>
-          </p:cNvSpPr>
-          <p:nvPr>
-            <p:ph idx="1"/>
-          </p:nvPr>
-        </p:nvSpPr>
-        <p:spPr/>
-        <p:txBody>
-          <a:bodyPr>
-            <a:normAutofit/>
-          </a:bodyPr>
-          <a:lstStyle/>
-          <a:p>
-            <a:r>
-              <a:rPr lang="zh-TW" altLang="en-US" sz="4800" dirty="0"/>
-              <a:t>寫一程式，讓使用者不斷輸入整數，直到輸入為負數才停止。最後輸出非負整數的總和。</a:t>
-            </a:r>
-            <a:endParaRPr lang="en-US" altLang="zh-TW" sz="4800" dirty="0"/>
-          </a:p>
-          <a:p>
-            <a:pPr marL="0" indent="0">
-              <a:buNone/>
-            </a:pPr>
-            <a:endParaRPr lang="en-US" altLang="zh-TW" sz="4800" dirty="0"/>
-          </a:p>
-          <a:p>
-            <a:r>
-              <a:rPr lang="zh-TW" altLang="en-US" sz="4800" dirty="0">
-                <a:solidFill>
-                  <a:schemeClr val="accent4">
-                    <a:lumMod val="60000"/>
-                    <a:lumOff val="40000"/>
-                  </a:schemeClr>
-                </a:solidFill>
-              </a:rPr>
-              <a:t>使用</a:t>
-            </a:r>
-            <a:r>
-              <a:rPr lang="en-US" altLang="zh-TW" sz="4800" dirty="0">
-                <a:solidFill>
-                  <a:schemeClr val="accent4">
-                    <a:lumMod val="60000"/>
-                    <a:lumOff val="40000"/>
-                  </a:schemeClr>
-                </a:solidFill>
-              </a:rPr>
-              <a:t>break</a:t>
-            </a:r>
-          </a:p>
-          <a:p>
-            <a:pPr marL="0" indent="0">
-              <a:buNone/>
-            </a:pPr>
-            <a:endParaRPr lang="zh-TW" altLang="en-US" sz="4800" dirty="0"/>
-          </a:p>
-          <a:p>
-            <a:endParaRPr lang="zh-TW" altLang="en-US" sz="4800" dirty="0"/>
-          </a:p>
-        </p:txBody>
-      </p:sp>
-    </p:spTree>
-    <p:extLst>
-      <p:ext uri="{BB962C8B-B14F-4D97-AF65-F5344CB8AC3E}">
-        <p14:creationId xmlns:p14="http://schemas.microsoft.com/office/powerpoint/2010/main" val="3560417442"/>
-      </p:ext>
-    </p:extLst>
-  </p:cSld>
-  <p:clrMapOvr>
-    <a:masterClrMapping/>
-  </p:clrMapOvr>
-</p:sld>
-</file>
-
-<file path=ppt/slides/slide14.xml><?xml version="1.0" encoding="utf-8"?>
-<p:sld xmlns:a="http://schemas.openxmlformats.org/drawingml/2006/main" xmlns:r="http://schemas.openxmlformats.org/officeDocument/2006/relationships" xmlns:p="http://schemas.openxmlformats.org/presentationml/2006/main">
-  <p:cSld>
-    <p:spTree>
-      <p:nvGrpSpPr>
-        <p:cNvPr id="1" name=""/>
-        <p:cNvGrpSpPr/>
-        <p:nvPr/>
-      </p:nvGrpSpPr>
-      <p:grpSpPr>
-        <a:xfrm>
-          <a:off x="0" y="0"/>
-          <a:ext cx="0" cy="0"/>
-          <a:chOff x="0" y="0"/>
-          <a:chExt cx="0" cy="0"/>
-        </a:xfrm>
-      </p:grpSpPr>
-      <p:sp>
-        <p:nvSpPr>
-          <p:cNvPr id="2" name="標題 1">
-            <a:extLst>
-              <a:ext uri="{FF2B5EF4-FFF2-40B4-BE49-F238E27FC236}">
-                <a16:creationId xmlns:a16="http://schemas.microsoft.com/office/drawing/2014/main" id="{AE16A08B-7491-4A4B-86B3-C10F91508399}"/>
-              </a:ext>
-            </a:extLst>
-          </p:cNvPr>
-          <p:cNvSpPr>
-            <a:spLocks noGrp="1"/>
-          </p:cNvSpPr>
-          <p:nvPr>
-            <p:ph type="title"/>
-          </p:nvPr>
-        </p:nvSpPr>
-        <p:spPr/>
-        <p:txBody>
-          <a:bodyPr/>
-          <a:lstStyle/>
-          <a:p>
-            <a:endParaRPr lang="zh-TW" altLang="en-US"/>
-          </a:p>
-        </p:txBody>
-      </p:sp>
-      <p:pic>
-        <p:nvPicPr>
-          <p:cNvPr id="5" name="內容版面配置區 4">
-            <a:extLst>
-              <a:ext uri="{FF2B5EF4-FFF2-40B4-BE49-F238E27FC236}">
-                <a16:creationId xmlns:a16="http://schemas.microsoft.com/office/drawing/2014/main" id="{5F1F9875-F73A-4B5B-9F6F-7D1D978EADE3}"/>
-              </a:ext>
-            </a:extLst>
-          </p:cNvPr>
-          <p:cNvPicPr>
-            <a:picLocks noGrp="1" noChangeAspect="1"/>
-          </p:cNvPicPr>
-          <p:nvPr>
-            <p:ph idx="1"/>
-          </p:nvPr>
-        </p:nvPicPr>
-        <p:blipFill>
-          <a:blip r:embed="rId2">
-            <a:extLst>
-              <a:ext uri="{28A0092B-C50C-407E-A947-70E740481C1C}">
-                <a14:useLocalDpi xmlns:a14="http://schemas.microsoft.com/office/drawing/2010/main" val="0"/>
-              </a:ext>
-            </a:extLst>
-          </a:blip>
-          <a:stretch>
-            <a:fillRect/>
-          </a:stretch>
-        </p:blipFill>
-        <p:spPr>
-          <a:xfrm>
-            <a:off x="3256036" y="365125"/>
-            <a:ext cx="5679927" cy="6365125"/>
-          </a:xfrm>
-        </p:spPr>
-      </p:pic>
-    </p:spTree>
-    <p:extLst>
-      <p:ext uri="{BB962C8B-B14F-4D97-AF65-F5344CB8AC3E}">
-        <p14:creationId xmlns:p14="http://schemas.microsoft.com/office/powerpoint/2010/main" val="1062224039"/>
-      </p:ext>
-    </p:extLst>
-  </p:cSld>
-  <p:clrMapOvr>
-    <a:masterClrMapping/>
-  </p:clrMapOvr>
-</p:sld>
-</file>
-
 <file path=ppt/slides/slide15.xml><?xml version="1.0" encoding="utf-8"?>
 <p:sld xmlns:a="http://schemas.openxmlformats.org/drawingml/2006/main" xmlns:r="http://schemas.openxmlformats.org/officeDocument/2006/relationships" xmlns:p="http://schemas.openxmlformats.org/presentationml/2006/main">
   <p:cSld>
@@ -4368,7 +4979,187 @@
           <p:cNvPr id="2" name="標題 1">
             <a:extLst>
               <a:ext uri="{FF2B5EF4-FFF2-40B4-BE49-F238E27FC236}">
-                <a16:creationId xmlns:a16="http://schemas.microsoft.com/office/drawing/2014/main" id="{A9587B51-9482-44D6-9822-B22B56B64BF4}"/>
+                <a16:creationId xmlns:a16="http://schemas.microsoft.com/office/drawing/2014/main" id="{8A470C24-EA22-4A86-9B9C-647869DC2220}"/>
+              </a:ext>
+            </a:extLst>
+          </p:cNvPr>
+          <p:cNvSpPr>
+            <a:spLocks noGrp="1"/>
+          </p:cNvSpPr>
+          <p:nvPr>
+            <p:ph type="title"/>
+          </p:nvPr>
+        </p:nvSpPr>
+        <p:spPr/>
+        <p:txBody>
+          <a:bodyPr/>
+          <a:lstStyle/>
+          <a:p>
+            <a:endParaRPr lang="zh-TW" altLang="en-US"/>
+          </a:p>
+        </p:txBody>
+      </p:sp>
+      <p:pic>
+        <p:nvPicPr>
+          <p:cNvPr id="5" name="內容版面配置區 4">
+            <a:extLst>
+              <a:ext uri="{FF2B5EF4-FFF2-40B4-BE49-F238E27FC236}">
+                <a16:creationId xmlns:a16="http://schemas.microsoft.com/office/drawing/2014/main" id="{A60CB618-2179-4AE1-92EC-0B68277AE794}"/>
+              </a:ext>
+            </a:extLst>
+          </p:cNvPr>
+          <p:cNvPicPr>
+            <a:picLocks noGrp="1" noChangeAspect="1"/>
+          </p:cNvPicPr>
+          <p:nvPr>
+            <p:ph idx="1"/>
+          </p:nvPr>
+        </p:nvPicPr>
+        <p:blipFill>
+          <a:blip r:embed="rId2">
+            <a:extLst>
+              <a:ext uri="{28A0092B-C50C-407E-A947-70E740481C1C}">
+                <a14:useLocalDpi xmlns:a14="http://schemas.microsoft.com/office/drawing/2010/main" val="0"/>
+              </a:ext>
+            </a:extLst>
+          </a:blip>
+          <a:stretch>
+            <a:fillRect/>
+          </a:stretch>
+        </p:blipFill>
+        <p:spPr>
+          <a:xfrm>
+            <a:off x="2852188" y="365125"/>
+            <a:ext cx="6487624" cy="6234597"/>
+          </a:xfrm>
+        </p:spPr>
+      </p:pic>
+      <p:sp>
+        <p:nvSpPr>
+          <p:cNvPr id="3" name="矩形 2">
+            <a:extLst>
+              <a:ext uri="{FF2B5EF4-FFF2-40B4-BE49-F238E27FC236}">
+                <a16:creationId xmlns:a16="http://schemas.microsoft.com/office/drawing/2014/main" id="{43F6670B-997B-4ECE-BED9-88B798DB41E5}"/>
+              </a:ext>
+            </a:extLst>
+          </p:cNvPr>
+          <p:cNvSpPr/>
+          <p:nvPr/>
+        </p:nvSpPr>
+        <p:spPr>
+          <a:xfrm>
+            <a:off x="4991877" y="961053"/>
+            <a:ext cx="1315616" cy="345233"/>
+          </a:xfrm>
+          <a:prstGeom prst="rect">
+            <a:avLst/>
+          </a:prstGeom>
+          <a:solidFill>
+            <a:schemeClr val="tx1"/>
+          </a:solidFill>
+          <a:ln>
+            <a:solidFill>
+              <a:schemeClr val="tx1"/>
+            </a:solidFill>
+          </a:ln>
+        </p:spPr>
+        <p:style>
+          <a:lnRef idx="2">
+            <a:schemeClr val="accent1">
+              <a:shade val="50000"/>
+            </a:schemeClr>
+          </a:lnRef>
+          <a:fillRef idx="1">
+            <a:schemeClr val="accent1"/>
+          </a:fillRef>
+          <a:effectRef idx="0">
+            <a:schemeClr val="accent1"/>
+          </a:effectRef>
+          <a:fontRef idx="minor">
+            <a:schemeClr val="lt1"/>
+          </a:fontRef>
+        </p:style>
+        <p:txBody>
+          <a:bodyPr rtlCol="0" anchor="ctr"/>
+          <a:lstStyle/>
+          <a:p>
+            <a:pPr algn="ctr"/>
+            <a:r>
+              <a:rPr lang="en-US" altLang="zh-TW" sz="4000" dirty="0">
+                <a:solidFill>
+                  <a:srgbClr val="FF0000"/>
+                </a:solidFill>
+              </a:rPr>
+              <a:t>=</a:t>
+            </a:r>
+            <a:r>
+              <a:rPr lang="zh-TW" altLang="en-US" sz="4000" dirty="0">
+                <a:solidFill>
+                  <a:schemeClr val="bg1"/>
+                </a:solidFill>
+              </a:rPr>
+              <a:t> </a:t>
+            </a:r>
+            <a:r>
+              <a:rPr lang="en-US" altLang="zh-TW" sz="4000" dirty="0">
+                <a:solidFill>
+                  <a:schemeClr val="bg1"/>
+                </a:solidFill>
+              </a:rPr>
+              <a:t>1</a:t>
+            </a:r>
+            <a:r>
+              <a:rPr lang="en-US" altLang="zh-TW" sz="4000" dirty="0">
+                <a:solidFill>
+                  <a:srgbClr val="FF0000"/>
+                </a:solidFill>
+              </a:rPr>
+              <a:t>;</a:t>
+            </a:r>
+            <a:endParaRPr lang="zh-TW" altLang="en-US" sz="4000" dirty="0">
+              <a:solidFill>
+                <a:srgbClr val="FF0000"/>
+              </a:solidFill>
+            </a:endParaRPr>
+          </a:p>
+        </p:txBody>
+      </p:sp>
+    </p:spTree>
+    <p:extLst>
+      <p:ext uri="{BB962C8B-B14F-4D97-AF65-F5344CB8AC3E}">
+        <p14:creationId xmlns:p14="http://schemas.microsoft.com/office/powerpoint/2010/main" val="3457253815"/>
+      </p:ext>
+    </p:extLst>
+  </p:cSld>
+  <p:clrMapOvr>
+    <a:masterClrMapping/>
+  </p:clrMapOvr>
+</p:sld>
+</file>
+
+<file path=ppt/slides/slide16.xml><?xml version="1.0" encoding="utf-8"?>
+<p:sld xmlns:a="http://schemas.openxmlformats.org/drawingml/2006/main" xmlns:r="http://schemas.openxmlformats.org/officeDocument/2006/relationships" xmlns:p="http://schemas.openxmlformats.org/presentationml/2006/main">
+  <p:cSld>
+    <p:spTree>
+      <p:nvGrpSpPr>
+        <p:cNvPr id="1" name=""/>
+        <p:cNvGrpSpPr/>
+        <p:nvPr/>
+      </p:nvGrpSpPr>
+      <p:grpSpPr>
+        <a:xfrm>
+          <a:off x="0" y="0"/>
+          <a:ext cx="0" cy="0"/>
+          <a:chOff x="0" y="0"/>
+          <a:chExt cx="0" cy="0"/>
+        </a:xfrm>
+      </p:grpSpPr>
+      <p:sp>
+        <p:nvSpPr>
+          <p:cNvPr id="2" name="標題 1">
+            <a:extLst>
+              <a:ext uri="{FF2B5EF4-FFF2-40B4-BE49-F238E27FC236}">
+                <a16:creationId xmlns:a16="http://schemas.microsoft.com/office/drawing/2014/main" id="{98FA3626-9200-4871-B896-B2BF20D7E173}"/>
               </a:ext>
             </a:extLst>
           </p:cNvPr>
@@ -4388,10 +5179,10 @@
           <a:p>
             <a:pPr algn="ctr"/>
             <a:r>
-              <a:rPr lang="en-US" altLang="zh-TW" sz="8000" dirty="0"/>
-              <a:t>continue</a:t>
-            </a:r>
-            <a:endParaRPr lang="zh-TW" altLang="en-US" sz="8000" dirty="0"/>
+              <a:rPr lang="en-US" altLang="zh-TW" sz="6600" dirty="0"/>
+              <a:t>break</a:t>
+            </a:r>
+            <a:endParaRPr lang="zh-TW" altLang="en-US" sz="6600" dirty="0"/>
           </a:p>
         </p:txBody>
       </p:sp>
@@ -4400,7 +5191,7 @@
           <p:cNvPr id="3" name="內容版面配置區 2">
             <a:extLst>
               <a:ext uri="{FF2B5EF4-FFF2-40B4-BE49-F238E27FC236}">
-                <a16:creationId xmlns:a16="http://schemas.microsoft.com/office/drawing/2014/main" id="{9148104D-1274-4C41-ACE6-C39288A2B305}"/>
+                <a16:creationId xmlns:a16="http://schemas.microsoft.com/office/drawing/2014/main" id="{D69299B6-3055-418A-90A4-EAAB0849407D}"/>
               </a:ext>
             </a:extLst>
           </p:cNvPr>
@@ -4413,17 +5204,463 @@
         </p:nvSpPr>
         <p:spPr/>
         <p:txBody>
-          <a:bodyPr/>
-          <a:lstStyle/>
-          <a:p>
-            <a:endParaRPr lang="zh-TW" altLang="en-US"/>
+          <a:bodyPr>
+            <a:normAutofit/>
+          </a:bodyPr>
+          <a:lstStyle/>
+          <a:p>
+            <a:r>
+              <a:rPr lang="zh-TW" altLang="en-US" sz="4400" dirty="0">
+                <a:solidFill>
+                  <a:schemeClr val="accent4">
+                    <a:lumMod val="20000"/>
+                    <a:lumOff val="80000"/>
+                  </a:schemeClr>
+                </a:solidFill>
+              </a:rPr>
+              <a:t>迴圈</a:t>
+            </a:r>
+            <a:r>
+              <a:rPr lang="zh-TW" altLang="en-US" sz="4400" dirty="0"/>
+              <a:t>遇到</a:t>
+            </a:r>
+            <a:r>
+              <a:rPr lang="en-US" altLang="zh-TW" sz="4400" dirty="0"/>
+              <a:t>break</a:t>
+            </a:r>
+            <a:r>
+              <a:rPr lang="zh-TW" altLang="en-US" sz="4400" dirty="0"/>
+              <a:t>則</a:t>
+            </a:r>
+            <a:r>
+              <a:rPr lang="zh-TW" altLang="en-US" sz="4400" dirty="0">
+                <a:solidFill>
+                  <a:schemeClr val="accent4">
+                    <a:lumMod val="20000"/>
+                    <a:lumOff val="80000"/>
+                  </a:schemeClr>
+                </a:solidFill>
+              </a:rPr>
+              <a:t>中斷</a:t>
+            </a:r>
+            <a:r>
+              <a:rPr lang="zh-TW" altLang="en-US" sz="4400" dirty="0"/>
+              <a:t>，並跳出迴圈。</a:t>
+            </a:r>
           </a:p>
         </p:txBody>
       </p:sp>
     </p:spTree>
     <p:extLst>
       <p:ext uri="{BB962C8B-B14F-4D97-AF65-F5344CB8AC3E}">
-        <p14:creationId xmlns:p14="http://schemas.microsoft.com/office/powerpoint/2010/main" val="947129996"/>
+        <p14:creationId xmlns:p14="http://schemas.microsoft.com/office/powerpoint/2010/main" val="3502014738"/>
+      </p:ext>
+    </p:extLst>
+  </p:cSld>
+  <p:clrMapOvr>
+    <a:masterClrMapping/>
+  </p:clrMapOvr>
+</p:sld>
+</file>
+
+<file path=ppt/slides/slide17.xml><?xml version="1.0" encoding="utf-8"?>
+<p:sld xmlns:a="http://schemas.openxmlformats.org/drawingml/2006/main" xmlns:r="http://schemas.openxmlformats.org/officeDocument/2006/relationships" xmlns:p="http://schemas.openxmlformats.org/presentationml/2006/main">
+  <p:cSld>
+    <p:spTree>
+      <p:nvGrpSpPr>
+        <p:cNvPr id="1" name=""/>
+        <p:cNvGrpSpPr/>
+        <p:nvPr/>
+      </p:nvGrpSpPr>
+      <p:grpSpPr>
+        <a:xfrm>
+          <a:off x="0" y="0"/>
+          <a:ext cx="0" cy="0"/>
+          <a:chOff x="0" y="0"/>
+          <a:chExt cx="0" cy="0"/>
+        </a:xfrm>
+      </p:grpSpPr>
+      <p:sp>
+        <p:nvSpPr>
+          <p:cNvPr id="2" name="標題 1">
+            <a:extLst>
+              <a:ext uri="{FF2B5EF4-FFF2-40B4-BE49-F238E27FC236}">
+                <a16:creationId xmlns:a16="http://schemas.microsoft.com/office/drawing/2014/main" id="{C97C9697-E2CB-4574-B889-2CCAF0E42410}"/>
+              </a:ext>
+            </a:extLst>
+          </p:cNvPr>
+          <p:cNvSpPr>
+            <a:spLocks noGrp="1"/>
+          </p:cNvSpPr>
+          <p:nvPr>
+            <p:ph type="title"/>
+          </p:nvPr>
+        </p:nvSpPr>
+        <p:spPr/>
+        <p:txBody>
+          <a:bodyPr/>
+          <a:lstStyle/>
+          <a:p>
+            <a:endParaRPr lang="zh-TW" altLang="en-US"/>
+          </a:p>
+        </p:txBody>
+      </p:sp>
+      <p:pic>
+        <p:nvPicPr>
+          <p:cNvPr id="5" name="內容版面配置區 4">
+            <a:extLst>
+              <a:ext uri="{FF2B5EF4-FFF2-40B4-BE49-F238E27FC236}">
+                <a16:creationId xmlns:a16="http://schemas.microsoft.com/office/drawing/2014/main" id="{927AC398-FB0F-4E81-A2BA-736F14B9377D}"/>
+              </a:ext>
+            </a:extLst>
+          </p:cNvPr>
+          <p:cNvPicPr>
+            <a:picLocks noGrp="1" noChangeAspect="1"/>
+          </p:cNvPicPr>
+          <p:nvPr>
+            <p:ph idx="1"/>
+          </p:nvPr>
+        </p:nvPicPr>
+        <p:blipFill>
+          <a:blip r:embed="rId2">
+            <a:extLst>
+              <a:ext uri="{28A0092B-C50C-407E-A947-70E740481C1C}">
+                <a14:useLocalDpi xmlns:a14="http://schemas.microsoft.com/office/drawing/2010/main" val="0"/>
+              </a:ext>
+            </a:extLst>
+          </a:blip>
+          <a:stretch>
+            <a:fillRect/>
+          </a:stretch>
+        </p:blipFill>
+        <p:spPr>
+          <a:xfrm>
+            <a:off x="1919943" y="130343"/>
+            <a:ext cx="8502351" cy="6597314"/>
+          </a:xfrm>
+        </p:spPr>
+      </p:pic>
+      <p:sp>
+        <p:nvSpPr>
+          <p:cNvPr id="6" name="橢圓 5">
+            <a:extLst>
+              <a:ext uri="{FF2B5EF4-FFF2-40B4-BE49-F238E27FC236}">
+                <a16:creationId xmlns:a16="http://schemas.microsoft.com/office/drawing/2014/main" id="{25735D5F-1183-4EF6-9D23-99C522224C7B}"/>
+              </a:ext>
+            </a:extLst>
+          </p:cNvPr>
+          <p:cNvSpPr/>
+          <p:nvPr/>
+        </p:nvSpPr>
+        <p:spPr>
+          <a:xfrm>
+            <a:off x="3163078" y="1156996"/>
+            <a:ext cx="1642187" cy="699796"/>
+          </a:xfrm>
+          <a:prstGeom prst="ellipse">
+            <a:avLst/>
+          </a:prstGeom>
+          <a:noFill/>
+          <a:ln w="38100">
+            <a:solidFill>
+              <a:srgbClr val="FF0000"/>
+            </a:solidFill>
+          </a:ln>
+        </p:spPr>
+        <p:style>
+          <a:lnRef idx="2">
+            <a:schemeClr val="accent1">
+              <a:shade val="50000"/>
+            </a:schemeClr>
+          </a:lnRef>
+          <a:fillRef idx="1">
+            <a:schemeClr val="accent1"/>
+          </a:fillRef>
+          <a:effectRef idx="0">
+            <a:schemeClr val="accent1"/>
+          </a:effectRef>
+          <a:fontRef idx="minor">
+            <a:schemeClr val="lt1"/>
+          </a:fontRef>
+        </p:style>
+        <p:txBody>
+          <a:bodyPr rtlCol="0" anchor="ctr"/>
+          <a:lstStyle/>
+          <a:p>
+            <a:pPr algn="ctr"/>
+            <a:endParaRPr lang="zh-TW" altLang="en-US"/>
+          </a:p>
+        </p:txBody>
+      </p:sp>
+    </p:spTree>
+    <p:extLst>
+      <p:ext uri="{BB962C8B-B14F-4D97-AF65-F5344CB8AC3E}">
+        <p14:creationId xmlns:p14="http://schemas.microsoft.com/office/powerpoint/2010/main" val="1987626620"/>
+      </p:ext>
+    </p:extLst>
+  </p:cSld>
+  <p:clrMapOvr>
+    <a:masterClrMapping/>
+  </p:clrMapOvr>
+</p:sld>
+</file>
+
+<file path=ppt/slides/slide18.xml><?xml version="1.0" encoding="utf-8"?>
+<p:sld xmlns:a="http://schemas.openxmlformats.org/drawingml/2006/main" xmlns:r="http://schemas.openxmlformats.org/officeDocument/2006/relationships" xmlns:p="http://schemas.openxmlformats.org/presentationml/2006/main">
+  <p:cSld>
+    <p:spTree>
+      <p:nvGrpSpPr>
+        <p:cNvPr id="1" name=""/>
+        <p:cNvGrpSpPr/>
+        <p:nvPr/>
+      </p:nvGrpSpPr>
+      <p:grpSpPr>
+        <a:xfrm>
+          <a:off x="0" y="0"/>
+          <a:ext cx="0" cy="0"/>
+          <a:chOff x="0" y="0"/>
+          <a:chExt cx="0" cy="0"/>
+        </a:xfrm>
+      </p:grpSpPr>
+      <p:sp>
+        <p:nvSpPr>
+          <p:cNvPr id="2" name="標題 1">
+            <a:extLst>
+              <a:ext uri="{FF2B5EF4-FFF2-40B4-BE49-F238E27FC236}">
+                <a16:creationId xmlns:a16="http://schemas.microsoft.com/office/drawing/2014/main" id="{4C928104-769F-4CE2-A1A3-0C4B73907C68}"/>
+              </a:ext>
+            </a:extLst>
+          </p:cNvPr>
+          <p:cNvSpPr>
+            <a:spLocks noGrp="1"/>
+          </p:cNvSpPr>
+          <p:nvPr>
+            <p:ph type="title"/>
+          </p:nvPr>
+        </p:nvSpPr>
+        <p:spPr/>
+        <p:txBody>
+          <a:bodyPr>
+            <a:normAutofit/>
+          </a:bodyPr>
+          <a:lstStyle/>
+          <a:p>
+            <a:pPr algn="ctr"/>
+            <a:r>
+              <a:rPr lang="zh-TW" altLang="en-US" sz="5400" dirty="0"/>
+              <a:t>練習</a:t>
+            </a:r>
+            <a:r>
+              <a:rPr lang="en-US" altLang="zh-TW" sz="5400" dirty="0"/>
+              <a:t>2</a:t>
+            </a:r>
+            <a:r>
+              <a:rPr lang="zh-TW" altLang="en-US" sz="5400" dirty="0"/>
+              <a:t>延伸</a:t>
+            </a:r>
+          </a:p>
+        </p:txBody>
+      </p:sp>
+      <p:sp>
+        <p:nvSpPr>
+          <p:cNvPr id="3" name="內容版面配置區 2">
+            <a:extLst>
+              <a:ext uri="{FF2B5EF4-FFF2-40B4-BE49-F238E27FC236}">
+                <a16:creationId xmlns:a16="http://schemas.microsoft.com/office/drawing/2014/main" id="{9B1C6543-7390-4B4C-B0CB-053A787F777F}"/>
+              </a:ext>
+            </a:extLst>
+          </p:cNvPr>
+          <p:cNvSpPr>
+            <a:spLocks noGrp="1"/>
+          </p:cNvSpPr>
+          <p:nvPr>
+            <p:ph idx="1"/>
+          </p:nvPr>
+        </p:nvSpPr>
+        <p:spPr/>
+        <p:txBody>
+          <a:bodyPr>
+            <a:normAutofit/>
+          </a:bodyPr>
+          <a:lstStyle/>
+          <a:p>
+            <a:r>
+              <a:rPr lang="zh-TW" altLang="en-US" sz="4800" dirty="0"/>
+              <a:t>寫一程式，讓使用者不斷輸入整數，直到輸入為負數才停止。最後輸出非負整數的總和。</a:t>
+            </a:r>
+            <a:endParaRPr lang="en-US" altLang="zh-TW" sz="4800" dirty="0"/>
+          </a:p>
+          <a:p>
+            <a:pPr marL="0" indent="0">
+              <a:buNone/>
+            </a:pPr>
+            <a:endParaRPr lang="en-US" altLang="zh-TW" sz="4800" dirty="0"/>
+          </a:p>
+          <a:p>
+            <a:r>
+              <a:rPr lang="zh-TW" altLang="en-US" sz="4800" dirty="0">
+                <a:solidFill>
+                  <a:schemeClr val="accent4">
+                    <a:lumMod val="60000"/>
+                    <a:lumOff val="40000"/>
+                  </a:schemeClr>
+                </a:solidFill>
+              </a:rPr>
+              <a:t>使用</a:t>
+            </a:r>
+            <a:r>
+              <a:rPr lang="en-US" altLang="zh-TW" sz="4800" dirty="0">
+                <a:solidFill>
+                  <a:schemeClr val="accent4">
+                    <a:lumMod val="60000"/>
+                    <a:lumOff val="40000"/>
+                  </a:schemeClr>
+                </a:solidFill>
+              </a:rPr>
+              <a:t>break</a:t>
+            </a:r>
+          </a:p>
+          <a:p>
+            <a:pPr marL="0" indent="0">
+              <a:buNone/>
+            </a:pPr>
+            <a:endParaRPr lang="zh-TW" altLang="en-US" sz="4800" dirty="0"/>
+          </a:p>
+          <a:p>
+            <a:endParaRPr lang="zh-TW" altLang="en-US" sz="4800" dirty="0"/>
+          </a:p>
+        </p:txBody>
+      </p:sp>
+      <p:pic>
+        <p:nvPicPr>
+          <p:cNvPr id="4" name="圖片 3">
+            <a:extLst>
+              <a:ext uri="{FF2B5EF4-FFF2-40B4-BE49-F238E27FC236}">
+                <a16:creationId xmlns:a16="http://schemas.microsoft.com/office/drawing/2014/main" id="{791A6231-8C2B-4AB2-AB0C-95C6D1CEA2FC}"/>
+              </a:ext>
+            </a:extLst>
+          </p:cNvPr>
+          <p:cNvPicPr>
+            <a:picLocks noChangeAspect="1"/>
+          </p:cNvPicPr>
+          <p:nvPr/>
+        </p:nvPicPr>
+        <p:blipFill>
+          <a:blip r:embed="rId2">
+            <a:extLst>
+              <a:ext uri="{28A0092B-C50C-407E-A947-70E740481C1C}">
+                <a14:useLocalDpi xmlns:a14="http://schemas.microsoft.com/office/drawing/2010/main" val="0"/>
+              </a:ext>
+            </a:extLst>
+          </a:blip>
+          <a:stretch>
+            <a:fillRect/>
+          </a:stretch>
+        </p:blipFill>
+        <p:spPr>
+          <a:xfrm>
+            <a:off x="7635041" y="3229100"/>
+            <a:ext cx="3291106" cy="3768993"/>
+          </a:xfrm>
+          <a:prstGeom prst="rect">
+            <a:avLst/>
+          </a:prstGeom>
+        </p:spPr>
+      </p:pic>
+    </p:spTree>
+    <p:extLst>
+      <p:ext uri="{BB962C8B-B14F-4D97-AF65-F5344CB8AC3E}">
+        <p14:creationId xmlns:p14="http://schemas.microsoft.com/office/powerpoint/2010/main" val="3560417442"/>
+      </p:ext>
+    </p:extLst>
+  </p:cSld>
+  <p:clrMapOvr>
+    <a:masterClrMapping/>
+  </p:clrMapOvr>
+</p:sld>
+</file>
+
+<file path=ppt/slides/slide19.xml><?xml version="1.0" encoding="utf-8"?>
+<p:sld xmlns:a="http://schemas.openxmlformats.org/drawingml/2006/main" xmlns:r="http://schemas.openxmlformats.org/officeDocument/2006/relationships" xmlns:p="http://schemas.openxmlformats.org/presentationml/2006/main">
+  <p:cSld>
+    <p:spTree>
+      <p:nvGrpSpPr>
+        <p:cNvPr id="1" name=""/>
+        <p:cNvGrpSpPr/>
+        <p:nvPr/>
+      </p:nvGrpSpPr>
+      <p:grpSpPr>
+        <a:xfrm>
+          <a:off x="0" y="0"/>
+          <a:ext cx="0" cy="0"/>
+          <a:chOff x="0" y="0"/>
+          <a:chExt cx="0" cy="0"/>
+        </a:xfrm>
+      </p:grpSpPr>
+      <p:sp>
+        <p:nvSpPr>
+          <p:cNvPr id="2" name="標題 1">
+            <a:extLst>
+              <a:ext uri="{FF2B5EF4-FFF2-40B4-BE49-F238E27FC236}">
+                <a16:creationId xmlns:a16="http://schemas.microsoft.com/office/drawing/2014/main" id="{AE16A08B-7491-4A4B-86B3-C10F91508399}"/>
+              </a:ext>
+            </a:extLst>
+          </p:cNvPr>
+          <p:cNvSpPr>
+            <a:spLocks noGrp="1"/>
+          </p:cNvSpPr>
+          <p:nvPr>
+            <p:ph type="title"/>
+          </p:nvPr>
+        </p:nvSpPr>
+        <p:spPr/>
+        <p:txBody>
+          <a:bodyPr/>
+          <a:lstStyle/>
+          <a:p>
+            <a:endParaRPr lang="zh-TW" altLang="en-US"/>
+          </a:p>
+        </p:txBody>
+      </p:sp>
+      <p:pic>
+        <p:nvPicPr>
+          <p:cNvPr id="5" name="內容版面配置區 4">
+            <a:extLst>
+              <a:ext uri="{FF2B5EF4-FFF2-40B4-BE49-F238E27FC236}">
+                <a16:creationId xmlns:a16="http://schemas.microsoft.com/office/drawing/2014/main" id="{5F1F9875-F73A-4B5B-9F6F-7D1D978EADE3}"/>
+              </a:ext>
+            </a:extLst>
+          </p:cNvPr>
+          <p:cNvPicPr>
+            <a:picLocks noGrp="1" noChangeAspect="1"/>
+          </p:cNvPicPr>
+          <p:nvPr>
+            <p:ph idx="1"/>
+          </p:nvPr>
+        </p:nvPicPr>
+        <p:blipFill>
+          <a:blip r:embed="rId2">
+            <a:extLst>
+              <a:ext uri="{28A0092B-C50C-407E-A947-70E740481C1C}">
+                <a14:useLocalDpi xmlns:a14="http://schemas.microsoft.com/office/drawing/2010/main" val="0"/>
+              </a:ext>
+            </a:extLst>
+          </a:blip>
+          <a:stretch>
+            <a:fillRect/>
+          </a:stretch>
+        </p:blipFill>
+        <p:spPr>
+          <a:xfrm>
+            <a:off x="3256036" y="365125"/>
+            <a:ext cx="5679927" cy="6365125"/>
+          </a:xfrm>
+        </p:spPr>
+      </p:pic>
+    </p:spTree>
+    <p:extLst>
+      <p:ext uri="{BB962C8B-B14F-4D97-AF65-F5344CB8AC3E}">
+        <p14:creationId xmlns:p14="http://schemas.microsoft.com/office/powerpoint/2010/main" val="1062224039"/>
       </p:ext>
     </p:extLst>
   </p:cSld>
@@ -4478,6 +5715,11 @@
               <a:rPr lang="zh-TW" altLang="en-US" sz="6000" dirty="0"/>
               <a:t>判斷句的執行</a:t>
             </a:r>
+            <a:r>
+              <a:rPr lang="en-US" altLang="zh-TW" sz="6000" dirty="0"/>
+              <a:t>1</a:t>
+            </a:r>
+            <a:endParaRPr lang="zh-TW" altLang="en-US" sz="6000" dirty="0"/>
           </a:p>
         </p:txBody>
       </p:sp>
@@ -4591,6 +5833,1014 @@
     <p:extLst>
       <p:ext uri="{BB962C8B-B14F-4D97-AF65-F5344CB8AC3E}">
         <p14:creationId xmlns:p14="http://schemas.microsoft.com/office/powerpoint/2010/main" val="3906138701"/>
+      </p:ext>
+    </p:extLst>
+  </p:cSld>
+  <p:clrMapOvr>
+    <a:masterClrMapping/>
+  </p:clrMapOvr>
+</p:sld>
+</file>
+
+<file path=ppt/slides/slide20.xml><?xml version="1.0" encoding="utf-8"?>
+<p:sld xmlns:a="http://schemas.openxmlformats.org/drawingml/2006/main" xmlns:r="http://schemas.openxmlformats.org/officeDocument/2006/relationships" xmlns:p="http://schemas.openxmlformats.org/presentationml/2006/main">
+  <p:cSld>
+    <p:spTree>
+      <p:nvGrpSpPr>
+        <p:cNvPr id="1" name=""/>
+        <p:cNvGrpSpPr/>
+        <p:nvPr/>
+      </p:nvGrpSpPr>
+      <p:grpSpPr>
+        <a:xfrm>
+          <a:off x="0" y="0"/>
+          <a:ext cx="0" cy="0"/>
+          <a:chOff x="0" y="0"/>
+          <a:chExt cx="0" cy="0"/>
+        </a:xfrm>
+      </p:grpSpPr>
+      <p:sp>
+        <p:nvSpPr>
+          <p:cNvPr id="2" name="標題 1">
+            <a:extLst>
+              <a:ext uri="{FF2B5EF4-FFF2-40B4-BE49-F238E27FC236}">
+                <a16:creationId xmlns:a16="http://schemas.microsoft.com/office/drawing/2014/main" id="{A9587B51-9482-44D6-9822-B22B56B64BF4}"/>
+              </a:ext>
+            </a:extLst>
+          </p:cNvPr>
+          <p:cNvSpPr>
+            <a:spLocks noGrp="1"/>
+          </p:cNvSpPr>
+          <p:nvPr>
+            <p:ph type="title"/>
+          </p:nvPr>
+        </p:nvSpPr>
+        <p:spPr/>
+        <p:txBody>
+          <a:bodyPr>
+            <a:normAutofit/>
+          </a:bodyPr>
+          <a:lstStyle/>
+          <a:p>
+            <a:pPr algn="ctr"/>
+            <a:r>
+              <a:rPr lang="en-US" altLang="zh-TW" sz="8000" dirty="0"/>
+              <a:t>continue</a:t>
+            </a:r>
+            <a:endParaRPr lang="zh-TW" altLang="en-US" sz="8000" dirty="0"/>
+          </a:p>
+        </p:txBody>
+      </p:sp>
+      <p:sp>
+        <p:nvSpPr>
+          <p:cNvPr id="3" name="內容版面配置區 2">
+            <a:extLst>
+              <a:ext uri="{FF2B5EF4-FFF2-40B4-BE49-F238E27FC236}">
+                <a16:creationId xmlns:a16="http://schemas.microsoft.com/office/drawing/2014/main" id="{9148104D-1274-4C41-ACE6-C39288A2B305}"/>
+              </a:ext>
+            </a:extLst>
+          </p:cNvPr>
+          <p:cNvSpPr>
+            <a:spLocks noGrp="1"/>
+          </p:cNvSpPr>
+          <p:nvPr>
+            <p:ph idx="1"/>
+          </p:nvPr>
+        </p:nvSpPr>
+        <p:spPr/>
+        <p:txBody>
+          <a:bodyPr>
+            <a:normAutofit/>
+          </a:bodyPr>
+          <a:lstStyle/>
+          <a:p>
+            <a:r>
+              <a:rPr lang="zh-TW" altLang="en-US" sz="4000" dirty="0"/>
+              <a:t>迴圈遇到</a:t>
+            </a:r>
+            <a:r>
+              <a:rPr lang="en-US" altLang="zh-TW" sz="4000" dirty="0"/>
+              <a:t>continue</a:t>
+            </a:r>
+            <a:r>
+              <a:rPr lang="zh-TW" altLang="en-US" sz="4000" dirty="0"/>
+              <a:t>則</a:t>
+            </a:r>
+            <a:r>
+              <a:rPr lang="zh-TW" altLang="en-US" sz="4000" dirty="0">
+                <a:solidFill>
+                  <a:schemeClr val="accent4">
+                    <a:lumMod val="20000"/>
+                    <a:lumOff val="80000"/>
+                  </a:schemeClr>
+                </a:solidFill>
+              </a:rPr>
+              <a:t>不執行剩餘程式</a:t>
+            </a:r>
+            <a:r>
+              <a:rPr lang="zh-TW" altLang="en-US" sz="4000" dirty="0"/>
+              <a:t>，直接進入下一次。</a:t>
+            </a:r>
+            <a:endParaRPr lang="en-US" altLang="zh-TW" sz="4000" dirty="0"/>
+          </a:p>
+          <a:p>
+            <a:endParaRPr lang="en-US" altLang="zh-TW" sz="4000" dirty="0"/>
+          </a:p>
+          <a:p>
+            <a:endParaRPr lang="zh-TW" altLang="en-US" sz="4000" dirty="0"/>
+          </a:p>
+        </p:txBody>
+      </p:sp>
+    </p:spTree>
+    <p:extLst>
+      <p:ext uri="{BB962C8B-B14F-4D97-AF65-F5344CB8AC3E}">
+        <p14:creationId xmlns:p14="http://schemas.microsoft.com/office/powerpoint/2010/main" val="947129996"/>
+      </p:ext>
+    </p:extLst>
+  </p:cSld>
+  <p:clrMapOvr>
+    <a:masterClrMapping/>
+  </p:clrMapOvr>
+</p:sld>
+</file>
+
+<file path=ppt/slides/slide21.xml><?xml version="1.0" encoding="utf-8"?>
+<p:sld xmlns:a="http://schemas.openxmlformats.org/drawingml/2006/main" xmlns:r="http://schemas.openxmlformats.org/officeDocument/2006/relationships" xmlns:p="http://schemas.openxmlformats.org/presentationml/2006/main">
+  <p:cSld>
+    <p:spTree>
+      <p:nvGrpSpPr>
+        <p:cNvPr id="1" name=""/>
+        <p:cNvGrpSpPr/>
+        <p:nvPr/>
+      </p:nvGrpSpPr>
+      <p:grpSpPr>
+        <a:xfrm>
+          <a:off x="0" y="0"/>
+          <a:ext cx="0" cy="0"/>
+          <a:chOff x="0" y="0"/>
+          <a:chExt cx="0" cy="0"/>
+        </a:xfrm>
+      </p:grpSpPr>
+      <p:sp>
+        <p:nvSpPr>
+          <p:cNvPr id="2" name="標題 1">
+            <a:extLst>
+              <a:ext uri="{FF2B5EF4-FFF2-40B4-BE49-F238E27FC236}">
+                <a16:creationId xmlns:a16="http://schemas.microsoft.com/office/drawing/2014/main" id="{4C928104-769F-4CE2-A1A3-0C4B73907C68}"/>
+              </a:ext>
+            </a:extLst>
+          </p:cNvPr>
+          <p:cNvSpPr>
+            <a:spLocks noGrp="1"/>
+          </p:cNvSpPr>
+          <p:nvPr>
+            <p:ph type="title"/>
+          </p:nvPr>
+        </p:nvSpPr>
+        <p:spPr/>
+        <p:txBody>
+          <a:bodyPr>
+            <a:normAutofit/>
+          </a:bodyPr>
+          <a:lstStyle/>
+          <a:p>
+            <a:pPr algn="ctr"/>
+            <a:r>
+              <a:rPr lang="zh-TW" altLang="en-US" sz="5400" dirty="0"/>
+              <a:t>練習</a:t>
+            </a:r>
+            <a:r>
+              <a:rPr lang="en-US" altLang="zh-TW" sz="5400" dirty="0"/>
+              <a:t>2</a:t>
+            </a:r>
+            <a:r>
+              <a:rPr lang="zh-TW" altLang="en-US" sz="5400" dirty="0"/>
+              <a:t>延伸</a:t>
+            </a:r>
+          </a:p>
+        </p:txBody>
+      </p:sp>
+      <p:sp>
+        <p:nvSpPr>
+          <p:cNvPr id="3" name="內容版面配置區 2">
+            <a:extLst>
+              <a:ext uri="{FF2B5EF4-FFF2-40B4-BE49-F238E27FC236}">
+                <a16:creationId xmlns:a16="http://schemas.microsoft.com/office/drawing/2014/main" id="{9B1C6543-7390-4B4C-B0CB-053A787F777F}"/>
+              </a:ext>
+            </a:extLst>
+          </p:cNvPr>
+          <p:cNvSpPr>
+            <a:spLocks noGrp="1"/>
+          </p:cNvSpPr>
+          <p:nvPr>
+            <p:ph idx="1"/>
+          </p:nvPr>
+        </p:nvSpPr>
+        <p:spPr/>
+        <p:txBody>
+          <a:bodyPr>
+            <a:normAutofit/>
+          </a:bodyPr>
+          <a:lstStyle/>
+          <a:p>
+            <a:r>
+              <a:rPr lang="zh-TW" altLang="en-US" sz="4800" dirty="0"/>
+              <a:t>寫一程式，讓使用者不斷輸入整數，直到輸入為負數才停止。最後輸出非負整數的總和，</a:t>
+            </a:r>
+            <a:r>
+              <a:rPr lang="zh-TW" altLang="en-US" sz="4800" dirty="0">
+                <a:solidFill>
+                  <a:schemeClr val="accent4">
+                    <a:lumMod val="40000"/>
+                    <a:lumOff val="60000"/>
+                  </a:schemeClr>
+                </a:solidFill>
+              </a:rPr>
+              <a:t>如果輸入為</a:t>
+            </a:r>
+            <a:r>
+              <a:rPr lang="en-US" altLang="zh-TW" sz="4800" dirty="0">
+                <a:solidFill>
+                  <a:schemeClr val="accent4">
+                    <a:lumMod val="40000"/>
+                    <a:lumOff val="60000"/>
+                  </a:schemeClr>
+                </a:solidFill>
+              </a:rPr>
+              <a:t>1</a:t>
+            </a:r>
+            <a:r>
+              <a:rPr lang="zh-TW" altLang="en-US" sz="4800" dirty="0">
+                <a:solidFill>
+                  <a:schemeClr val="accent4">
+                    <a:lumMod val="40000"/>
+                    <a:lumOff val="60000"/>
+                  </a:schemeClr>
+                </a:solidFill>
+              </a:rPr>
+              <a:t>則不計入</a:t>
+            </a:r>
+            <a:r>
+              <a:rPr lang="zh-TW" altLang="en-US" sz="4800" dirty="0"/>
+              <a:t>。</a:t>
+            </a:r>
+            <a:endParaRPr lang="en-US" altLang="zh-TW" sz="4800" dirty="0"/>
+          </a:p>
+          <a:p>
+            <a:pPr marL="0" indent="0">
+              <a:buNone/>
+            </a:pPr>
+            <a:endParaRPr lang="en-US" altLang="zh-TW" sz="4800" dirty="0"/>
+          </a:p>
+          <a:p>
+            <a:r>
+              <a:rPr lang="zh-TW" altLang="en-US" sz="4800" dirty="0">
+                <a:solidFill>
+                  <a:schemeClr val="accent4">
+                    <a:lumMod val="60000"/>
+                    <a:lumOff val="40000"/>
+                  </a:schemeClr>
+                </a:solidFill>
+              </a:rPr>
+              <a:t>使用</a:t>
+            </a:r>
+            <a:r>
+              <a:rPr lang="en-US" altLang="zh-TW" sz="4800" dirty="0">
+                <a:solidFill>
+                  <a:schemeClr val="accent4">
+                    <a:lumMod val="60000"/>
+                    <a:lumOff val="40000"/>
+                  </a:schemeClr>
+                </a:solidFill>
+              </a:rPr>
+              <a:t>continue</a:t>
+            </a:r>
+          </a:p>
+          <a:p>
+            <a:pPr marL="0" indent="0">
+              <a:buNone/>
+            </a:pPr>
+            <a:endParaRPr lang="zh-TW" altLang="en-US" sz="4800" dirty="0"/>
+          </a:p>
+          <a:p>
+            <a:endParaRPr lang="zh-TW" altLang="en-US" sz="4800" dirty="0"/>
+          </a:p>
+        </p:txBody>
+      </p:sp>
+      <p:pic>
+        <p:nvPicPr>
+          <p:cNvPr id="4" name="圖片 3">
+            <a:extLst>
+              <a:ext uri="{FF2B5EF4-FFF2-40B4-BE49-F238E27FC236}">
+                <a16:creationId xmlns:a16="http://schemas.microsoft.com/office/drawing/2014/main" id="{15D6148E-4389-4598-A336-1A8ABA9B6883}"/>
+              </a:ext>
+            </a:extLst>
+          </p:cNvPr>
+          <p:cNvPicPr>
+            <a:picLocks noChangeAspect="1"/>
+          </p:cNvPicPr>
+          <p:nvPr/>
+        </p:nvPicPr>
+        <p:blipFill rotWithShape="1">
+          <a:blip r:embed="rId2">
+            <a:extLst>
+              <a:ext uri="{28A0092B-C50C-407E-A947-70E740481C1C}">
+                <a14:useLocalDpi xmlns:a14="http://schemas.microsoft.com/office/drawing/2010/main" val="0"/>
+              </a:ext>
+            </a:extLst>
+          </a:blip>
+          <a:srcRect t="14152"/>
+          <a:stretch/>
+        </p:blipFill>
+        <p:spPr>
+          <a:xfrm>
+            <a:off x="7625711" y="3853543"/>
+            <a:ext cx="3291106" cy="3235609"/>
+          </a:xfrm>
+          <a:prstGeom prst="rect">
+            <a:avLst/>
+          </a:prstGeom>
+        </p:spPr>
+      </p:pic>
+      <p:sp>
+        <p:nvSpPr>
+          <p:cNvPr id="7" name="箭號: 向右 6">
+            <a:extLst>
+              <a:ext uri="{FF2B5EF4-FFF2-40B4-BE49-F238E27FC236}">
+                <a16:creationId xmlns:a16="http://schemas.microsoft.com/office/drawing/2014/main" id="{B9BB652B-9053-4F64-B91C-048B41F2DD0C}"/>
+              </a:ext>
+            </a:extLst>
+          </p:cNvPr>
+          <p:cNvSpPr/>
+          <p:nvPr/>
+        </p:nvSpPr>
+        <p:spPr>
+          <a:xfrm rot="10800000">
+            <a:off x="10482166" y="4525347"/>
+            <a:ext cx="1306286" cy="494522"/>
+          </a:xfrm>
+          <a:prstGeom prst="rightArrow">
+            <a:avLst/>
+          </a:prstGeom>
+        </p:spPr>
+        <p:style>
+          <a:lnRef idx="2">
+            <a:schemeClr val="accent1">
+              <a:shade val="50000"/>
+            </a:schemeClr>
+          </a:lnRef>
+          <a:fillRef idx="1">
+            <a:schemeClr val="accent1"/>
+          </a:fillRef>
+          <a:effectRef idx="0">
+            <a:schemeClr val="accent1"/>
+          </a:effectRef>
+          <a:fontRef idx="minor">
+            <a:schemeClr val="lt1"/>
+          </a:fontRef>
+        </p:style>
+        <p:txBody>
+          <a:bodyPr rtlCol="0" anchor="ctr"/>
+          <a:lstStyle/>
+          <a:p>
+            <a:pPr algn="ctr"/>
+            <a:endParaRPr lang="zh-TW" altLang="en-US"/>
+          </a:p>
+        </p:txBody>
+      </p:sp>
+      <p:cxnSp>
+        <p:nvCxnSpPr>
+          <p:cNvPr id="9" name="直線接點 8">
+            <a:extLst>
+              <a:ext uri="{FF2B5EF4-FFF2-40B4-BE49-F238E27FC236}">
+                <a16:creationId xmlns:a16="http://schemas.microsoft.com/office/drawing/2014/main" id="{2068EA01-B003-47B9-99CC-C781607FFD38}"/>
+              </a:ext>
+            </a:extLst>
+          </p:cNvPr>
+          <p:cNvCxnSpPr/>
+          <p:nvPr/>
+        </p:nvCxnSpPr>
+        <p:spPr>
+          <a:xfrm>
+            <a:off x="9190653" y="6423118"/>
+            <a:ext cx="681135" cy="556180"/>
+          </a:xfrm>
+          <a:prstGeom prst="line">
+            <a:avLst/>
+          </a:prstGeom>
+          <a:ln w="57150">
+            <a:solidFill>
+              <a:srgbClr val="FF0000"/>
+            </a:solidFill>
+          </a:ln>
+        </p:spPr>
+        <p:style>
+          <a:lnRef idx="1">
+            <a:schemeClr val="accent1"/>
+          </a:lnRef>
+          <a:fillRef idx="0">
+            <a:schemeClr val="accent1"/>
+          </a:fillRef>
+          <a:effectRef idx="0">
+            <a:schemeClr val="accent1"/>
+          </a:effectRef>
+          <a:fontRef idx="minor">
+            <a:schemeClr val="tx1"/>
+          </a:fontRef>
+        </p:style>
+      </p:cxnSp>
+      <p:cxnSp>
+        <p:nvCxnSpPr>
+          <p:cNvPr id="12" name="直線接點 11">
+            <a:extLst>
+              <a:ext uri="{FF2B5EF4-FFF2-40B4-BE49-F238E27FC236}">
+                <a16:creationId xmlns:a16="http://schemas.microsoft.com/office/drawing/2014/main" id="{5E232790-A48E-44DF-B72F-E55A8D365F3F}"/>
+              </a:ext>
+            </a:extLst>
+          </p:cNvPr>
+          <p:cNvCxnSpPr/>
+          <p:nvPr/>
+        </p:nvCxnSpPr>
+        <p:spPr>
+          <a:xfrm flipH="1">
+            <a:off x="9190653" y="6492875"/>
+            <a:ext cx="681135" cy="434882"/>
+          </a:xfrm>
+          <a:prstGeom prst="line">
+            <a:avLst/>
+          </a:prstGeom>
+          <a:ln w="57150">
+            <a:solidFill>
+              <a:srgbClr val="FF0000"/>
+            </a:solidFill>
+          </a:ln>
+        </p:spPr>
+        <p:style>
+          <a:lnRef idx="1">
+            <a:schemeClr val="accent1"/>
+          </a:lnRef>
+          <a:fillRef idx="0">
+            <a:schemeClr val="accent1"/>
+          </a:fillRef>
+          <a:effectRef idx="0">
+            <a:schemeClr val="accent1"/>
+          </a:effectRef>
+          <a:fontRef idx="minor">
+            <a:schemeClr val="tx1"/>
+          </a:fontRef>
+        </p:style>
+      </p:cxnSp>
+      <p:sp>
+        <p:nvSpPr>
+          <p:cNvPr id="13" name="文字方塊 12">
+            <a:extLst>
+              <a:ext uri="{FF2B5EF4-FFF2-40B4-BE49-F238E27FC236}">
+                <a16:creationId xmlns:a16="http://schemas.microsoft.com/office/drawing/2014/main" id="{5828D493-5A41-4D98-9EA0-5BAF4F9F1B9E}"/>
+              </a:ext>
+            </a:extLst>
+          </p:cNvPr>
+          <p:cNvSpPr txBox="1"/>
+          <p:nvPr/>
+        </p:nvSpPr>
+        <p:spPr>
+          <a:xfrm>
+            <a:off x="10195068" y="6125226"/>
+            <a:ext cx="574196" cy="1015663"/>
+          </a:xfrm>
+          <a:prstGeom prst="rect">
+            <a:avLst/>
+          </a:prstGeom>
+          <a:noFill/>
+        </p:spPr>
+        <p:txBody>
+          <a:bodyPr wrap="none" rtlCol="0">
+            <a:spAutoFit/>
+          </a:bodyPr>
+          <a:lstStyle/>
+          <a:p>
+            <a:r>
+              <a:rPr lang="en-US" altLang="zh-TW" sz="6000" dirty="0"/>
+              <a:t>7</a:t>
+            </a:r>
+            <a:endParaRPr lang="zh-TW" altLang="en-US" sz="6000" dirty="0"/>
+          </a:p>
+        </p:txBody>
+      </p:sp>
+      <p:cxnSp>
+        <p:nvCxnSpPr>
+          <p:cNvPr id="15" name="直線單箭頭接點 14">
+            <a:extLst>
+              <a:ext uri="{FF2B5EF4-FFF2-40B4-BE49-F238E27FC236}">
+                <a16:creationId xmlns:a16="http://schemas.microsoft.com/office/drawing/2014/main" id="{40A92CD8-54E3-4CDD-83B2-79EF37416B86}"/>
+              </a:ext>
+            </a:extLst>
+          </p:cNvPr>
+          <p:cNvCxnSpPr>
+            <a:endCxn id="13" idx="1"/>
+          </p:cNvCxnSpPr>
+          <p:nvPr/>
+        </p:nvCxnSpPr>
+        <p:spPr>
+          <a:xfrm flipV="1">
+            <a:off x="9871788" y="6633058"/>
+            <a:ext cx="323280" cy="68150"/>
+          </a:xfrm>
+          <a:prstGeom prst="straightConnector1">
+            <a:avLst/>
+          </a:prstGeom>
+          <a:ln w="38100">
+            <a:tailEnd type="triangle"/>
+          </a:ln>
+        </p:spPr>
+        <p:style>
+          <a:lnRef idx="1">
+            <a:schemeClr val="accent1"/>
+          </a:lnRef>
+          <a:fillRef idx="0">
+            <a:schemeClr val="accent1"/>
+          </a:fillRef>
+          <a:effectRef idx="0">
+            <a:schemeClr val="accent1"/>
+          </a:effectRef>
+          <a:fontRef idx="minor">
+            <a:schemeClr val="tx1"/>
+          </a:fontRef>
+        </p:style>
+      </p:cxnSp>
+    </p:spTree>
+    <p:extLst>
+      <p:ext uri="{BB962C8B-B14F-4D97-AF65-F5344CB8AC3E}">
+        <p14:creationId xmlns:p14="http://schemas.microsoft.com/office/powerpoint/2010/main" val="1139437581"/>
+      </p:ext>
+    </p:extLst>
+  </p:cSld>
+  <p:clrMapOvr>
+    <a:masterClrMapping/>
+  </p:clrMapOvr>
+</p:sld>
+</file>
+
+<file path=ppt/slides/slide22.xml><?xml version="1.0" encoding="utf-8"?>
+<p:sld xmlns:a="http://schemas.openxmlformats.org/drawingml/2006/main" xmlns:r="http://schemas.openxmlformats.org/officeDocument/2006/relationships" xmlns:p="http://schemas.openxmlformats.org/presentationml/2006/main">
+  <p:cSld>
+    <p:spTree>
+      <p:nvGrpSpPr>
+        <p:cNvPr id="1" name=""/>
+        <p:cNvGrpSpPr/>
+        <p:nvPr/>
+      </p:nvGrpSpPr>
+      <p:grpSpPr>
+        <a:xfrm>
+          <a:off x="0" y="0"/>
+          <a:ext cx="0" cy="0"/>
+          <a:chOff x="0" y="0"/>
+          <a:chExt cx="0" cy="0"/>
+        </a:xfrm>
+      </p:grpSpPr>
+      <p:sp>
+        <p:nvSpPr>
+          <p:cNvPr id="2" name="標題 1">
+            <a:extLst>
+              <a:ext uri="{FF2B5EF4-FFF2-40B4-BE49-F238E27FC236}">
+                <a16:creationId xmlns:a16="http://schemas.microsoft.com/office/drawing/2014/main" id="{0959C584-5E74-4E0D-93E4-923AE5363E6E}"/>
+              </a:ext>
+            </a:extLst>
+          </p:cNvPr>
+          <p:cNvSpPr>
+            <a:spLocks noGrp="1"/>
+          </p:cNvSpPr>
+          <p:nvPr>
+            <p:ph type="title"/>
+          </p:nvPr>
+        </p:nvSpPr>
+        <p:spPr/>
+        <p:txBody>
+          <a:bodyPr/>
+          <a:lstStyle/>
+          <a:p>
+            <a:endParaRPr lang="zh-TW" altLang="en-US"/>
+          </a:p>
+        </p:txBody>
+      </p:sp>
+      <p:pic>
+        <p:nvPicPr>
+          <p:cNvPr id="5" name="內容版面配置區 4">
+            <a:extLst>
+              <a:ext uri="{FF2B5EF4-FFF2-40B4-BE49-F238E27FC236}">
+                <a16:creationId xmlns:a16="http://schemas.microsoft.com/office/drawing/2014/main" id="{664F2C14-8301-4E4E-A2B5-72B61200D18E}"/>
+              </a:ext>
+            </a:extLst>
+          </p:cNvPr>
+          <p:cNvPicPr>
+            <a:picLocks noGrp="1" noChangeAspect="1"/>
+          </p:cNvPicPr>
+          <p:nvPr>
+            <p:ph idx="1"/>
+          </p:nvPr>
+        </p:nvPicPr>
+        <p:blipFill>
+          <a:blip r:embed="rId2">
+            <a:extLst>
+              <a:ext uri="{28A0092B-C50C-407E-A947-70E740481C1C}">
+                <a14:useLocalDpi xmlns:a14="http://schemas.microsoft.com/office/drawing/2010/main" val="0"/>
+              </a:ext>
+            </a:extLst>
+          </a:blip>
+          <a:stretch>
+            <a:fillRect/>
+          </a:stretch>
+        </p:blipFill>
+        <p:spPr>
+          <a:xfrm>
+            <a:off x="3097769" y="40506"/>
+            <a:ext cx="5682337" cy="6776987"/>
+          </a:xfrm>
+        </p:spPr>
+      </p:pic>
+    </p:spTree>
+    <p:extLst>
+      <p:ext uri="{BB962C8B-B14F-4D97-AF65-F5344CB8AC3E}">
+        <p14:creationId xmlns:p14="http://schemas.microsoft.com/office/powerpoint/2010/main" val="1064498892"/>
+      </p:ext>
+    </p:extLst>
+  </p:cSld>
+  <p:clrMapOvr>
+    <a:masterClrMapping/>
+  </p:clrMapOvr>
+</p:sld>
+</file>
+
+<file path=ppt/slides/slide23.xml><?xml version="1.0" encoding="utf-8"?>
+<p:sld xmlns:a="http://schemas.openxmlformats.org/drawingml/2006/main" xmlns:r="http://schemas.openxmlformats.org/officeDocument/2006/relationships" xmlns:p="http://schemas.openxmlformats.org/presentationml/2006/main">
+  <p:cSld>
+    <p:spTree>
+      <p:nvGrpSpPr>
+        <p:cNvPr id="1" name=""/>
+        <p:cNvGrpSpPr/>
+        <p:nvPr/>
+      </p:nvGrpSpPr>
+      <p:grpSpPr>
+        <a:xfrm>
+          <a:off x="0" y="0"/>
+          <a:ext cx="0" cy="0"/>
+          <a:chOff x="0" y="0"/>
+          <a:chExt cx="0" cy="0"/>
+        </a:xfrm>
+      </p:grpSpPr>
+      <p:sp>
+        <p:nvSpPr>
+          <p:cNvPr id="2" name="標題 1">
+            <a:extLst>
+              <a:ext uri="{FF2B5EF4-FFF2-40B4-BE49-F238E27FC236}">
+                <a16:creationId xmlns:a16="http://schemas.microsoft.com/office/drawing/2014/main" id="{AFE69B75-DA97-433F-B948-9C38AEDAA348}"/>
+              </a:ext>
+            </a:extLst>
+          </p:cNvPr>
+          <p:cNvSpPr>
+            <a:spLocks noGrp="1"/>
+          </p:cNvSpPr>
+          <p:nvPr>
+            <p:ph type="title"/>
+          </p:nvPr>
+        </p:nvSpPr>
+        <p:spPr>
+          <a:xfrm>
+            <a:off x="502298" y="18255"/>
+            <a:ext cx="10515600" cy="1325563"/>
+          </a:xfrm>
+        </p:spPr>
+        <p:txBody>
+          <a:bodyPr/>
+          <a:lstStyle/>
+          <a:p>
+            <a:pPr algn="ctr"/>
+            <a:r>
+              <a:rPr lang="zh-TW" altLang="en-US" dirty="0"/>
+              <a:t>課堂練習</a:t>
+            </a:r>
+          </a:p>
+        </p:txBody>
+      </p:sp>
+      <p:sp>
+        <p:nvSpPr>
+          <p:cNvPr id="3" name="內容版面配置區 2">
+            <a:extLst>
+              <a:ext uri="{FF2B5EF4-FFF2-40B4-BE49-F238E27FC236}">
+                <a16:creationId xmlns:a16="http://schemas.microsoft.com/office/drawing/2014/main" id="{86A89F0C-82E9-410C-A051-4FC039D19801}"/>
+              </a:ext>
+            </a:extLst>
+          </p:cNvPr>
+          <p:cNvSpPr>
+            <a:spLocks noGrp="1"/>
+          </p:cNvSpPr>
+          <p:nvPr>
+            <p:ph idx="1"/>
+          </p:nvPr>
+        </p:nvSpPr>
+        <p:spPr>
+          <a:xfrm>
+            <a:off x="0" y="1349445"/>
+            <a:ext cx="8686800" cy="4351338"/>
+          </a:xfrm>
+        </p:spPr>
+        <p:txBody>
+          <a:bodyPr>
+            <a:normAutofit/>
+          </a:bodyPr>
+          <a:lstStyle/>
+          <a:p>
+            <a:r>
+              <a:rPr lang="zh-TW" altLang="en-US" sz="5400" dirty="0"/>
+              <a:t>從</a:t>
+            </a:r>
+            <a:r>
+              <a:rPr lang="en-US" altLang="zh-TW" sz="5400" dirty="0"/>
+              <a:t>3</a:t>
+            </a:r>
+            <a:r>
+              <a:rPr lang="zh-TW" altLang="en-US" sz="5400" dirty="0"/>
+              <a:t>開始輸出</a:t>
+            </a:r>
+            <a:r>
+              <a:rPr lang="en-US" altLang="zh-TW" sz="5400" dirty="0"/>
+              <a:t>3</a:t>
+            </a:r>
+            <a:r>
+              <a:rPr lang="zh-TW" altLang="en-US" sz="5400" dirty="0"/>
+              <a:t>或</a:t>
+            </a:r>
+            <a:r>
+              <a:rPr lang="en-US" altLang="zh-TW" sz="5400" dirty="0"/>
+              <a:t>5</a:t>
+            </a:r>
+            <a:r>
+              <a:rPr lang="zh-TW" altLang="en-US" sz="5400" dirty="0"/>
+              <a:t>的倍數。每輸出</a:t>
+            </a:r>
+            <a:r>
+              <a:rPr lang="en-US" altLang="zh-TW" sz="5400" dirty="0"/>
+              <a:t>5</a:t>
+            </a:r>
+            <a:r>
+              <a:rPr lang="zh-TW" altLang="en-US" sz="5400" dirty="0"/>
+              <a:t>次，則下次內容不輸出。若輸出超過</a:t>
+            </a:r>
+            <a:r>
+              <a:rPr lang="en-US" altLang="zh-TW" sz="5400" dirty="0"/>
+              <a:t>20</a:t>
+            </a:r>
+            <a:r>
+              <a:rPr lang="zh-TW" altLang="en-US" sz="5400" dirty="0"/>
+              <a:t>個數</a:t>
+            </a:r>
+            <a:r>
+              <a:rPr lang="en-US" altLang="zh-TW" sz="5400" dirty="0"/>
+              <a:t>(&lt;=20)</a:t>
+            </a:r>
+            <a:r>
+              <a:rPr lang="zh-TW" altLang="en-US" sz="5400" dirty="0"/>
+              <a:t>，則停止。</a:t>
+            </a:r>
+          </a:p>
+        </p:txBody>
+      </p:sp>
+      <p:sp>
+        <p:nvSpPr>
+          <p:cNvPr id="4" name="文字方塊 3">
+            <a:extLst>
+              <a:ext uri="{FF2B5EF4-FFF2-40B4-BE49-F238E27FC236}">
+                <a16:creationId xmlns:a16="http://schemas.microsoft.com/office/drawing/2014/main" id="{51440233-818C-41D9-84F0-D8B976DE2D16}"/>
+              </a:ext>
+            </a:extLst>
+          </p:cNvPr>
+          <p:cNvSpPr txBox="1"/>
+          <p:nvPr/>
+        </p:nvSpPr>
+        <p:spPr>
+          <a:xfrm>
+            <a:off x="176204" y="4502452"/>
+            <a:ext cx="9212778" cy="769441"/>
+          </a:xfrm>
+          <a:prstGeom prst="rect">
+            <a:avLst/>
+          </a:prstGeom>
+          <a:noFill/>
+        </p:spPr>
+        <p:txBody>
+          <a:bodyPr wrap="none" rtlCol="0">
+            <a:spAutoFit/>
+          </a:bodyPr>
+          <a:lstStyle/>
+          <a:p>
+            <a:r>
+              <a:rPr lang="en-US" altLang="zh-TW" sz="4400" dirty="0">
+                <a:solidFill>
+                  <a:schemeClr val="accent4">
+                    <a:lumMod val="40000"/>
+                    <a:lumOff val="60000"/>
+                  </a:schemeClr>
+                </a:solidFill>
+              </a:rPr>
+              <a:t>// </a:t>
+            </a:r>
+            <a:r>
+              <a:rPr lang="zh-TW" altLang="en-US" sz="4400" dirty="0">
+                <a:solidFill>
+                  <a:schemeClr val="accent4">
+                    <a:lumMod val="40000"/>
+                    <a:lumOff val="60000"/>
+                  </a:schemeClr>
+                </a:solidFill>
+              </a:rPr>
+              <a:t>試著先描繪程式結構，在開始寫。</a:t>
+            </a:r>
+          </a:p>
+        </p:txBody>
+      </p:sp>
+      <p:pic>
+        <p:nvPicPr>
+          <p:cNvPr id="8" name="圖片 7">
+            <a:extLst>
+              <a:ext uri="{FF2B5EF4-FFF2-40B4-BE49-F238E27FC236}">
+                <a16:creationId xmlns:a16="http://schemas.microsoft.com/office/drawing/2014/main" id="{AE5C3556-8BB4-4162-935A-8EA808B7C489}"/>
+              </a:ext>
+            </a:extLst>
+          </p:cNvPr>
+          <p:cNvPicPr>
+            <a:picLocks noChangeAspect="1"/>
+          </p:cNvPicPr>
+          <p:nvPr/>
+        </p:nvPicPr>
+        <p:blipFill>
+          <a:blip r:embed="rId2">
+            <a:extLst>
+              <a:ext uri="{28A0092B-C50C-407E-A947-70E740481C1C}">
+                <a14:useLocalDpi xmlns:a14="http://schemas.microsoft.com/office/drawing/2010/main" val="0"/>
+              </a:ext>
+            </a:extLst>
+          </a:blip>
+          <a:stretch>
+            <a:fillRect/>
+          </a:stretch>
+        </p:blipFill>
+        <p:spPr>
+          <a:xfrm>
+            <a:off x="9281326" y="-32049"/>
+            <a:ext cx="1736572" cy="6922098"/>
+          </a:xfrm>
+          <a:prstGeom prst="rect">
+            <a:avLst/>
+          </a:prstGeom>
+        </p:spPr>
+      </p:pic>
+    </p:spTree>
+    <p:extLst>
+      <p:ext uri="{BB962C8B-B14F-4D97-AF65-F5344CB8AC3E}">
+        <p14:creationId xmlns:p14="http://schemas.microsoft.com/office/powerpoint/2010/main" val="3230309520"/>
+      </p:ext>
+    </p:extLst>
+  </p:cSld>
+  <p:clrMapOvr>
+    <a:masterClrMapping/>
+  </p:clrMapOvr>
+</p:sld>
+</file>
+
+<file path=ppt/slides/slide24.xml><?xml version="1.0" encoding="utf-8"?>
+<p:sld xmlns:a="http://schemas.openxmlformats.org/drawingml/2006/main" xmlns:r="http://schemas.openxmlformats.org/officeDocument/2006/relationships" xmlns:p="http://schemas.openxmlformats.org/presentationml/2006/main">
+  <p:cSld>
+    <p:spTree>
+      <p:nvGrpSpPr>
+        <p:cNvPr id="1" name=""/>
+        <p:cNvGrpSpPr/>
+        <p:nvPr/>
+      </p:nvGrpSpPr>
+      <p:grpSpPr>
+        <a:xfrm>
+          <a:off x="0" y="0"/>
+          <a:ext cx="0" cy="0"/>
+          <a:chOff x="0" y="0"/>
+          <a:chExt cx="0" cy="0"/>
+        </a:xfrm>
+      </p:grpSpPr>
+      <p:sp>
+        <p:nvSpPr>
+          <p:cNvPr id="2" name="標題 1">
+            <a:extLst>
+              <a:ext uri="{FF2B5EF4-FFF2-40B4-BE49-F238E27FC236}">
+                <a16:creationId xmlns:a16="http://schemas.microsoft.com/office/drawing/2014/main" id="{A249678E-797B-4B6B-B697-667105E3434A}"/>
+              </a:ext>
+            </a:extLst>
+          </p:cNvPr>
+          <p:cNvSpPr>
+            <a:spLocks noGrp="1"/>
+          </p:cNvSpPr>
+          <p:nvPr>
+            <p:ph type="title"/>
+          </p:nvPr>
+        </p:nvSpPr>
+        <p:spPr/>
+        <p:txBody>
+          <a:bodyPr/>
+          <a:lstStyle/>
+          <a:p>
+            <a:endParaRPr lang="zh-TW" altLang="en-US"/>
+          </a:p>
+        </p:txBody>
+      </p:sp>
+      <p:pic>
+        <p:nvPicPr>
+          <p:cNvPr id="5" name="內容版面配置區 4">
+            <a:extLst>
+              <a:ext uri="{FF2B5EF4-FFF2-40B4-BE49-F238E27FC236}">
+                <a16:creationId xmlns:a16="http://schemas.microsoft.com/office/drawing/2014/main" id="{A563A8CC-4F8D-4A2A-B899-A7C988198780}"/>
+              </a:ext>
+            </a:extLst>
+          </p:cNvPr>
+          <p:cNvPicPr>
+            <a:picLocks noGrp="1" noChangeAspect="1"/>
+          </p:cNvPicPr>
+          <p:nvPr>
+            <p:ph idx="1"/>
+          </p:nvPr>
+        </p:nvPicPr>
+        <p:blipFill>
+          <a:blip r:embed="rId2">
+            <a:extLst>
+              <a:ext uri="{28A0092B-C50C-407E-A947-70E740481C1C}">
+                <a14:useLocalDpi xmlns:a14="http://schemas.microsoft.com/office/drawing/2010/main" val="0"/>
+              </a:ext>
+            </a:extLst>
+          </a:blip>
+          <a:stretch>
+            <a:fillRect/>
+          </a:stretch>
+        </p:blipFill>
+        <p:spPr>
+          <a:xfrm>
+            <a:off x="838200" y="-195943"/>
+            <a:ext cx="10515600" cy="6923934"/>
+          </a:xfrm>
+        </p:spPr>
+      </p:pic>
+      <p:sp>
+        <p:nvSpPr>
+          <p:cNvPr id="6" name="矩形 5">
+            <a:extLst>
+              <a:ext uri="{FF2B5EF4-FFF2-40B4-BE49-F238E27FC236}">
+                <a16:creationId xmlns:a16="http://schemas.microsoft.com/office/drawing/2014/main" id="{B4649298-159B-4C35-B0CA-25CDC459B641}"/>
+              </a:ext>
+            </a:extLst>
+          </p:cNvPr>
+          <p:cNvSpPr/>
+          <p:nvPr/>
+        </p:nvSpPr>
+        <p:spPr>
+          <a:xfrm>
+            <a:off x="5938935" y="4963884"/>
+            <a:ext cx="88642" cy="410547"/>
+          </a:xfrm>
+          <a:prstGeom prst="rect">
+            <a:avLst/>
+          </a:prstGeom>
+          <a:solidFill>
+            <a:schemeClr val="tx1"/>
+          </a:solidFill>
+          <a:ln>
+            <a:solidFill>
+              <a:schemeClr val="tx1"/>
+            </a:solidFill>
+          </a:ln>
+        </p:spPr>
+        <p:style>
+          <a:lnRef idx="2">
+            <a:schemeClr val="accent1">
+              <a:shade val="50000"/>
+            </a:schemeClr>
+          </a:lnRef>
+          <a:fillRef idx="1">
+            <a:schemeClr val="accent1"/>
+          </a:fillRef>
+          <a:effectRef idx="0">
+            <a:schemeClr val="accent1"/>
+          </a:effectRef>
+          <a:fontRef idx="minor">
+            <a:schemeClr val="lt1"/>
+          </a:fontRef>
+        </p:style>
+        <p:txBody>
+          <a:bodyPr rtlCol="0" anchor="ctr"/>
+          <a:lstStyle/>
+          <a:p>
+            <a:pPr algn="ctr"/>
+            <a:endParaRPr lang="zh-TW" altLang="en-US"/>
+          </a:p>
+        </p:txBody>
+      </p:sp>
+    </p:spTree>
+    <p:extLst>
+      <p:ext uri="{BB962C8B-B14F-4D97-AF65-F5344CB8AC3E}">
+        <p14:creationId xmlns:p14="http://schemas.microsoft.com/office/powerpoint/2010/main" val="1962204922"/>
       </p:ext>
     </p:extLst>
   </p:cSld>
@@ -5108,7 +7358,7 @@
           <p:cNvPr id="2" name="標題 1">
             <a:extLst>
               <a:ext uri="{FF2B5EF4-FFF2-40B4-BE49-F238E27FC236}">
-                <a16:creationId xmlns:a16="http://schemas.microsoft.com/office/drawing/2014/main" id="{138C8EBA-0EC3-4ACB-8992-FB33CC458DC6}"/>
+                <a16:creationId xmlns:a16="http://schemas.microsoft.com/office/drawing/2014/main" id="{9B032613-CB49-474F-9ACC-5C086EF42E62}"/>
               </a:ext>
             </a:extLst>
           </p:cNvPr>
@@ -5133,7 +7383,7 @@
           <p:cNvPr id="5" name="內容版面配置區 4">
             <a:extLst>
               <a:ext uri="{FF2B5EF4-FFF2-40B4-BE49-F238E27FC236}">
-                <a16:creationId xmlns:a16="http://schemas.microsoft.com/office/drawing/2014/main" id="{78D40EC4-334A-4069-A703-7117DEC7A6EE}"/>
+                <a16:creationId xmlns:a16="http://schemas.microsoft.com/office/drawing/2014/main" id="{634C37BD-B1FC-434D-BAFC-398BD3C6F0DF}"/>
               </a:ext>
             </a:extLst>
           </p:cNvPr>
@@ -5158,15 +7408,117 @@
         </p:blipFill>
         <p:spPr>
           <a:xfrm>
-            <a:off x="2103605" y="1447117"/>
-            <a:ext cx="8206722" cy="4576825"/>
+            <a:off x="7108365" y="544093"/>
+            <a:ext cx="3696483" cy="5699358"/>
           </a:xfrm>
         </p:spPr>
       </p:pic>
+      <p:pic>
+        <p:nvPicPr>
+          <p:cNvPr id="9" name="圖片 8">
+            <a:extLst>
+              <a:ext uri="{FF2B5EF4-FFF2-40B4-BE49-F238E27FC236}">
+                <a16:creationId xmlns:a16="http://schemas.microsoft.com/office/drawing/2014/main" id="{85AEE504-86AC-4A03-AA86-D5CF81919DDA}"/>
+              </a:ext>
+            </a:extLst>
+          </p:cNvPr>
+          <p:cNvPicPr>
+            <a:picLocks noChangeAspect="1"/>
+          </p:cNvPicPr>
+          <p:nvPr/>
+        </p:nvPicPr>
+        <p:blipFill rotWithShape="1">
+          <a:blip r:embed="rId3">
+            <a:extLst>
+              <a:ext uri="{28A0092B-C50C-407E-A947-70E740481C1C}">
+                <a14:useLocalDpi xmlns:a14="http://schemas.microsoft.com/office/drawing/2010/main" val="0"/>
+              </a:ext>
+            </a:extLst>
+          </a:blip>
+          <a:srcRect t="1691"/>
+          <a:stretch/>
+        </p:blipFill>
+        <p:spPr>
+          <a:xfrm>
+            <a:off x="875840" y="544093"/>
+            <a:ext cx="3817457" cy="5654145"/>
+          </a:xfrm>
+          <a:prstGeom prst="rect">
+            <a:avLst/>
+          </a:prstGeom>
+        </p:spPr>
+      </p:pic>
+      <p:sp>
+        <p:nvSpPr>
+          <p:cNvPr id="10" name="矩形 9">
+            <a:extLst>
+              <a:ext uri="{FF2B5EF4-FFF2-40B4-BE49-F238E27FC236}">
+                <a16:creationId xmlns:a16="http://schemas.microsoft.com/office/drawing/2014/main" id="{3DDC60EC-7A4F-4B21-A050-27EB992BC7B6}"/>
+              </a:ext>
+            </a:extLst>
+          </p:cNvPr>
+          <p:cNvSpPr/>
+          <p:nvPr/>
+        </p:nvSpPr>
+        <p:spPr>
+          <a:xfrm>
+            <a:off x="5327601" y="2969459"/>
+            <a:ext cx="1231812" cy="1323439"/>
+          </a:xfrm>
+          <a:prstGeom prst="rect">
+            <a:avLst/>
+          </a:prstGeom>
+          <a:noFill/>
+        </p:spPr>
+        <p:txBody>
+          <a:bodyPr wrap="none" lIns="91440" tIns="45720" rIns="91440" bIns="45720">
+            <a:spAutoFit/>
+          </a:bodyPr>
+          <a:lstStyle/>
+          <a:p>
+            <a:pPr algn="ctr"/>
+            <a:r>
+              <a:rPr lang="en-US" altLang="zh-TW" sz="8000" b="0" cap="none" spc="0" dirty="0">
+                <a:ln w="0"/>
+                <a:solidFill>
+                  <a:schemeClr val="accent4">
+                    <a:lumMod val="20000"/>
+                    <a:lumOff val="80000"/>
+                  </a:schemeClr>
+                </a:solidFill>
+                <a:effectLst>
+                  <a:outerShdw blurRad="38100" dist="25400" dir="5400000" algn="ctr" rotWithShape="0">
+                    <a:srgbClr val="6E747A">
+                      <a:alpha val="43000"/>
+                    </a:srgbClr>
+                  </a:outerShdw>
+                </a:effectLst>
+              </a:rPr>
+              <a:t>VS</a:t>
+            </a:r>
+            <a:endParaRPr lang="zh-TW" altLang="en-US" sz="8000" b="0" cap="none" spc="0" dirty="0">
+              <a:ln w="0"/>
+              <a:solidFill>
+                <a:schemeClr val="accent4">
+                  <a:lumMod val="20000"/>
+                  <a:lumOff val="80000"/>
+                </a:schemeClr>
+              </a:solidFill>
+              <a:effectLst>
+                <a:outerShdw blurRad="38100" dist="25400" dir="5400000" algn="ctr" rotWithShape="0">
+                  <a:srgbClr val="6E747A">
+                    <a:alpha val="43000"/>
+                  </a:srgbClr>
+                </a:outerShdw>
+              </a:effectLst>
+            </a:endParaRPr>
+          </a:p>
+        </p:txBody>
+      </p:sp>
     </p:spTree>
     <p:extLst>
       <p:ext uri="{BB962C8B-B14F-4D97-AF65-F5344CB8AC3E}">
-        <p14:creationId xmlns:p14="http://schemas.microsoft.com/office/powerpoint/2010/main" val="4162205464"/>
+        <p14:creationId xmlns:p14="http://schemas.microsoft.com/office/powerpoint/2010/main" val="3489486019"/>
       </p:ext>
     </p:extLst>
   </p:cSld>
@@ -5198,7 +7550,7 @@
           <p:cNvPr id="2" name="標題 1">
             <a:extLst>
               <a:ext uri="{FF2B5EF4-FFF2-40B4-BE49-F238E27FC236}">
-                <a16:creationId xmlns:a16="http://schemas.microsoft.com/office/drawing/2014/main" id="{1A7A7A19-F2C2-405B-91B2-EF826DD72560}"/>
+                <a16:creationId xmlns:a16="http://schemas.microsoft.com/office/drawing/2014/main" id="{D4831022-D1C9-45E9-A95E-81F468FA545C}"/>
               </a:ext>
             </a:extLst>
           </p:cNvPr>
@@ -5220,10 +7572,10 @@
       </p:sp>
       <p:pic>
         <p:nvPicPr>
-          <p:cNvPr id="5" name="內容版面配置區 4">
-            <a:extLst>
-              <a:ext uri="{FF2B5EF4-FFF2-40B4-BE49-F238E27FC236}">
-                <a16:creationId xmlns:a16="http://schemas.microsoft.com/office/drawing/2014/main" id="{A395C5ED-61CC-4BDC-8248-3B4A545070B8}"/>
+          <p:cNvPr id="6" name="內容版面配置區 5">
+            <a:extLst>
+              <a:ext uri="{FF2B5EF4-FFF2-40B4-BE49-F238E27FC236}">
+                <a16:creationId xmlns:a16="http://schemas.microsoft.com/office/drawing/2014/main" id="{C7F9BAD1-D47D-43E7-BDCE-8D87F44F27D6}"/>
               </a:ext>
             </a:extLst>
           </p:cNvPr>
@@ -5234,29 +7586,63 @@
             <p:ph idx="1"/>
           </p:nvPr>
         </p:nvPicPr>
-        <p:blipFill>
-          <a:blip r:embed="rId2">
+        <p:blipFill rotWithShape="1">
+          <a:blip r:embed="rId3">
             <a:extLst>
               <a:ext uri="{28A0092B-C50C-407E-A947-70E740481C1C}">
                 <a14:useLocalDpi xmlns:a14="http://schemas.microsoft.com/office/drawing/2010/main" val="0"/>
               </a:ext>
             </a:extLst>
           </a:blip>
-          <a:stretch>
-            <a:fillRect/>
-          </a:stretch>
+          <a:srcRect l="18816"/>
+          <a:stretch/>
         </p:blipFill>
         <p:spPr>
           <a:xfrm>
-            <a:off x="2177375" y="1690688"/>
-            <a:ext cx="7837250" cy="4142121"/>
+            <a:off x="4883480" y="1195496"/>
+            <a:ext cx="6280136" cy="4351338"/>
           </a:xfrm>
+        </p:spPr>
+      </p:pic>
+      <p:pic>
+        <p:nvPicPr>
+          <p:cNvPr id="9" name="圖片 8">
+            <a:extLst>
+              <a:ext uri="{FF2B5EF4-FFF2-40B4-BE49-F238E27FC236}">
+                <a16:creationId xmlns:a16="http://schemas.microsoft.com/office/drawing/2014/main" id="{E6B75B8A-E0A8-4330-B0E7-953DF0385D25}"/>
+              </a:ext>
+            </a:extLst>
+          </p:cNvPr>
+          <p:cNvPicPr>
+            <a:picLocks noChangeAspect="1"/>
+          </p:cNvPicPr>
+          <p:nvPr/>
+        </p:nvPicPr>
+        <p:blipFill rotWithShape="1">
+          <a:blip r:embed="rId4">
+            <a:extLst>
+              <a:ext uri="{28A0092B-C50C-407E-A947-70E740481C1C}">
+                <a14:useLocalDpi xmlns:a14="http://schemas.microsoft.com/office/drawing/2010/main" val="0"/>
+              </a:ext>
+            </a:extLst>
+          </a:blip>
+          <a:srcRect t="1691"/>
+          <a:stretch/>
+        </p:blipFill>
+        <p:spPr>
+          <a:xfrm>
+            <a:off x="875840" y="544093"/>
+            <a:ext cx="3817457" cy="5654145"/>
+          </a:xfrm>
+          <a:prstGeom prst="rect">
+            <a:avLst/>
+          </a:prstGeom>
         </p:spPr>
       </p:pic>
     </p:spTree>
     <p:extLst>
       <p:ext uri="{BB962C8B-B14F-4D97-AF65-F5344CB8AC3E}">
-        <p14:creationId xmlns:p14="http://schemas.microsoft.com/office/powerpoint/2010/main" val="3577168104"/>
+        <p14:creationId xmlns:p14="http://schemas.microsoft.com/office/powerpoint/2010/main" val="1899230975"/>
       </p:ext>
     </p:extLst>
   </p:cSld>
@@ -5288,7 +7674,7 @@
           <p:cNvPr id="2" name="標題 1">
             <a:extLst>
               <a:ext uri="{FF2B5EF4-FFF2-40B4-BE49-F238E27FC236}">
-                <a16:creationId xmlns:a16="http://schemas.microsoft.com/office/drawing/2014/main" id="{B004B942-3AF1-45FF-BDD5-0018CE1CEB7E}"/>
+                <a16:creationId xmlns:a16="http://schemas.microsoft.com/office/drawing/2014/main" id="{5D940132-BD18-4911-B7D8-B3D7D2F4C40F}"/>
               </a:ext>
             </a:extLst>
           </p:cNvPr>
@@ -5310,10 +7696,44 @@
       </p:sp>
       <p:pic>
         <p:nvPicPr>
-          <p:cNvPr id="7" name="圖片 6">
-            <a:extLst>
-              <a:ext uri="{FF2B5EF4-FFF2-40B4-BE49-F238E27FC236}">
-                <a16:creationId xmlns:a16="http://schemas.microsoft.com/office/drawing/2014/main" id="{37C92DA3-996E-428E-B2B2-93E4009A9063}"/>
+          <p:cNvPr id="7" name="內容版面配置區 6">
+            <a:extLst>
+              <a:ext uri="{FF2B5EF4-FFF2-40B4-BE49-F238E27FC236}">
+                <a16:creationId xmlns:a16="http://schemas.microsoft.com/office/drawing/2014/main" id="{3690DA31-DCC8-4259-BD1B-D424D9FE1647}"/>
+              </a:ext>
+            </a:extLst>
+          </p:cNvPr>
+          <p:cNvPicPr>
+            <a:picLocks noGrp="1" noChangeAspect="1"/>
+          </p:cNvPicPr>
+          <p:nvPr>
+            <p:ph idx="1"/>
+          </p:nvPr>
+        </p:nvPicPr>
+        <p:blipFill rotWithShape="1">
+          <a:blip r:embed="rId3">
+            <a:extLst>
+              <a:ext uri="{28A0092B-C50C-407E-A947-70E740481C1C}">
+                <a14:useLocalDpi xmlns:a14="http://schemas.microsoft.com/office/drawing/2010/main" val="0"/>
+              </a:ext>
+            </a:extLst>
+          </a:blip>
+          <a:srcRect l="7382" r="49316" b="47820"/>
+          <a:stretch/>
+        </p:blipFill>
+        <p:spPr>
+          <a:xfrm>
+            <a:off x="5019869" y="1118086"/>
+            <a:ext cx="6818584" cy="4621828"/>
+          </a:xfrm>
+        </p:spPr>
+      </p:pic>
+      <p:pic>
+        <p:nvPicPr>
+          <p:cNvPr id="5" name="內容版面配置區 4">
+            <a:extLst>
+              <a:ext uri="{FF2B5EF4-FFF2-40B4-BE49-F238E27FC236}">
+                <a16:creationId xmlns:a16="http://schemas.microsoft.com/office/drawing/2014/main" id="{34BBE496-57BF-4E6F-B46B-F737D8C632E9}"/>
               </a:ext>
             </a:extLst>
           </p:cNvPr>
@@ -5323,7 +7743,7 @@
           <p:nvPr/>
         </p:nvPicPr>
         <p:blipFill>
-          <a:blip r:embed="rId2">
+          <a:blip r:embed="rId4">
             <a:extLst>
               <a:ext uri="{28A0092B-C50C-407E-A947-70E740481C1C}">
                 <a14:useLocalDpi xmlns:a14="http://schemas.microsoft.com/office/drawing/2010/main" val="0"/>
@@ -5336,8 +7756,8 @@
         </p:blipFill>
         <p:spPr>
           <a:xfrm>
-            <a:off x="2111829" y="1245231"/>
-            <a:ext cx="8291803" cy="4637540"/>
+            <a:off x="838200" y="365125"/>
+            <a:ext cx="3696483" cy="5699358"/>
           </a:xfrm>
           <a:prstGeom prst="rect">
             <a:avLst/>
@@ -5347,7 +7767,7 @@
     </p:spTree>
     <p:extLst>
       <p:ext uri="{BB962C8B-B14F-4D97-AF65-F5344CB8AC3E}">
-        <p14:creationId xmlns:p14="http://schemas.microsoft.com/office/powerpoint/2010/main" val="4033622373"/>
+        <p14:creationId xmlns:p14="http://schemas.microsoft.com/office/powerpoint/2010/main" val="149831369"/>
       </p:ext>
     </p:extLst>
   </p:cSld>
@@ -5379,7 +7799,7 @@
           <p:cNvPr id="2" name="標題 1">
             <a:extLst>
               <a:ext uri="{FF2B5EF4-FFF2-40B4-BE49-F238E27FC236}">
-                <a16:creationId xmlns:a16="http://schemas.microsoft.com/office/drawing/2014/main" id="{ACA816FF-9137-46A3-A97A-1ACA508F53CA}"/>
+                <a16:creationId xmlns:a16="http://schemas.microsoft.com/office/drawing/2014/main" id="{63DB0F34-F435-4FD3-A053-F3988118B0F0}"/>
               </a:ext>
             </a:extLst>
           </p:cNvPr>
@@ -5392,52 +7812,134 @@
         </p:nvSpPr>
         <p:spPr/>
         <p:txBody>
-          <a:bodyPr/>
-          <a:lstStyle/>
-          <a:p>
-            <a:endParaRPr lang="zh-TW" altLang="en-US"/>
-          </a:p>
-        </p:txBody>
-      </p:sp>
-      <p:pic>
-        <p:nvPicPr>
-          <p:cNvPr id="5" name="內容版面配置區 4">
-            <a:extLst>
-              <a:ext uri="{FF2B5EF4-FFF2-40B4-BE49-F238E27FC236}">
-                <a16:creationId xmlns:a16="http://schemas.microsoft.com/office/drawing/2014/main" id="{ADAEB870-3D23-4E84-91E8-7F767FF1D9F3}"/>
-              </a:ext>
-            </a:extLst>
-          </p:cNvPr>
-          <p:cNvPicPr>
-            <a:picLocks noGrp="1" noChangeAspect="1"/>
-          </p:cNvPicPr>
+          <a:bodyPr>
+            <a:normAutofit/>
+          </a:bodyPr>
+          <a:lstStyle/>
+          <a:p>
+            <a:pPr algn="ctr"/>
+            <a:r>
+              <a:rPr lang="zh-TW" altLang="en-US" sz="6000" dirty="0"/>
+              <a:t>判斷句的執行</a:t>
+            </a:r>
+            <a:r>
+              <a:rPr lang="en-US" altLang="zh-TW" sz="6000" dirty="0"/>
+              <a:t>2</a:t>
+            </a:r>
+            <a:endParaRPr lang="zh-TW" altLang="en-US" sz="6000" dirty="0"/>
+          </a:p>
+        </p:txBody>
+      </p:sp>
+      <p:sp>
+        <p:nvSpPr>
+          <p:cNvPr id="3" name="內容版面配置區 2">
+            <a:extLst>
+              <a:ext uri="{FF2B5EF4-FFF2-40B4-BE49-F238E27FC236}">
+                <a16:creationId xmlns:a16="http://schemas.microsoft.com/office/drawing/2014/main" id="{3B984355-5D27-43AF-A0BD-8C1574532922}"/>
+              </a:ext>
+            </a:extLst>
+          </p:cNvPr>
+          <p:cNvSpPr>
+            <a:spLocks noGrp="1"/>
+          </p:cNvSpPr>
           <p:nvPr>
             <p:ph idx="1"/>
           </p:nvPr>
-        </p:nvPicPr>
-        <p:blipFill>
-          <a:blip r:embed="rId2">
-            <a:extLst>
-              <a:ext uri="{28A0092B-C50C-407E-A947-70E740481C1C}">
-                <a14:useLocalDpi xmlns:a14="http://schemas.microsoft.com/office/drawing/2010/main" val="0"/>
-              </a:ext>
-            </a:extLst>
-          </a:blip>
-          <a:stretch>
-            <a:fillRect/>
-          </a:stretch>
-        </p:blipFill>
-        <p:spPr>
-          <a:xfrm>
-            <a:off x="1850264" y="1285615"/>
-            <a:ext cx="8271514" cy="4424719"/>
-          </a:xfrm>
-        </p:spPr>
-      </p:pic>
+        </p:nvSpPr>
+        <p:spPr/>
+        <p:txBody>
+          <a:bodyPr>
+            <a:normAutofit/>
+          </a:bodyPr>
+          <a:lstStyle/>
+          <a:p>
+            <a:r>
+              <a:rPr lang="zh-TW" altLang="en-US" sz="5400" dirty="0"/>
+              <a:t>共通特點</a:t>
+            </a:r>
+            <a:r>
+              <a:rPr lang="en-US" altLang="zh-TW" sz="5400" dirty="0"/>
+              <a:t>:</a:t>
+            </a:r>
+            <a:r>
+              <a:rPr lang="zh-TW" altLang="en-US" sz="5400" dirty="0"/>
+              <a:t> </a:t>
+            </a:r>
+            <a:endParaRPr lang="en-US" altLang="zh-TW" sz="5400" dirty="0"/>
+          </a:p>
+          <a:p>
+            <a:pPr marL="1200150" lvl="1" indent="-742950">
+              <a:buFont typeface="+mj-lt"/>
+              <a:buAutoNum type="arabicPeriod"/>
+            </a:pPr>
+            <a:r>
+              <a:rPr lang="zh-TW" altLang="en-US" sz="5400" dirty="0"/>
+              <a:t>執行範圍為</a:t>
+            </a:r>
+            <a:r>
+              <a:rPr lang="zh-TW" altLang="en-US" sz="5400" dirty="0">
+                <a:solidFill>
+                  <a:schemeClr val="accent4">
+                    <a:lumMod val="20000"/>
+                    <a:lumOff val="80000"/>
+                  </a:schemeClr>
+                </a:solidFill>
+              </a:rPr>
+              <a:t>大括號</a:t>
+            </a:r>
+            <a:r>
+              <a:rPr lang="zh-TW" altLang="en-US" sz="5400" dirty="0"/>
+              <a:t>內</a:t>
+            </a:r>
+            <a:r>
+              <a:rPr lang="en-US" altLang="zh-TW" sz="5400" dirty="0"/>
+              <a:t>{</a:t>
+            </a:r>
+            <a:r>
+              <a:rPr lang="zh-TW" altLang="en-US" sz="5400" dirty="0"/>
+              <a:t> </a:t>
+            </a:r>
+            <a:r>
+              <a:rPr lang="en-US" altLang="zh-TW" sz="5400" dirty="0"/>
+              <a:t>}</a:t>
+            </a:r>
+          </a:p>
+          <a:p>
+            <a:pPr marL="1200150" lvl="1" indent="-742950">
+              <a:buFont typeface="+mj-lt"/>
+              <a:buAutoNum type="arabicPeriod"/>
+            </a:pPr>
+            <a:r>
+              <a:rPr lang="zh-TW" altLang="en-US" sz="5400" dirty="0"/>
+              <a:t>判斷為</a:t>
+            </a:r>
+            <a:r>
+              <a:rPr lang="en-US" altLang="zh-TW" sz="5400" dirty="0">
+                <a:solidFill>
+                  <a:schemeClr val="accent4">
+                    <a:lumMod val="20000"/>
+                    <a:lumOff val="80000"/>
+                  </a:schemeClr>
+                </a:solidFill>
+              </a:rPr>
+              <a:t>true</a:t>
+            </a:r>
+            <a:r>
+              <a:rPr lang="zh-TW" altLang="en-US" sz="5400" dirty="0"/>
+              <a:t>才執行</a:t>
+            </a:r>
+            <a:endParaRPr lang="en-US" altLang="zh-TW" sz="5400" dirty="0"/>
+          </a:p>
+          <a:p>
+            <a:pPr lvl="1"/>
+            <a:endParaRPr lang="zh-TW" altLang="en-US" sz="3600" dirty="0"/>
+          </a:p>
+        </p:txBody>
+      </p:sp>
     </p:spTree>
     <p:extLst>
       <p:ext uri="{BB962C8B-B14F-4D97-AF65-F5344CB8AC3E}">
-        <p14:creationId xmlns:p14="http://schemas.microsoft.com/office/powerpoint/2010/main" val="373037958"/>
+        <p14:creationId xmlns:p14="http://schemas.microsoft.com/office/powerpoint/2010/main" val="2857122021"/>
       </p:ext>
     </p:extLst>
   </p:cSld>
@@ -5469,7 +7971,7 @@
           <p:cNvPr id="2" name="標題 1">
             <a:extLst>
               <a:ext uri="{FF2B5EF4-FFF2-40B4-BE49-F238E27FC236}">
-                <a16:creationId xmlns:a16="http://schemas.microsoft.com/office/drawing/2014/main" id="{AD08C425-B60D-4FEB-BA87-4742710A70B3}"/>
+                <a16:creationId xmlns:a16="http://schemas.microsoft.com/office/drawing/2014/main" id="{138C8EBA-0EC3-4ACB-8992-FB33CC458DC6}"/>
               </a:ext>
             </a:extLst>
           </p:cNvPr>
@@ -5482,100 +7984,52 @@
         </p:nvSpPr>
         <p:spPr/>
         <p:txBody>
-          <a:bodyPr>
-            <a:normAutofit/>
-          </a:bodyPr>
-          <a:lstStyle/>
-          <a:p>
-            <a:pPr algn="ctr"/>
-            <a:r>
-              <a:rPr lang="zh-TW" altLang="en-US" sz="6000" dirty="0"/>
-              <a:t>練習</a:t>
-            </a:r>
-            <a:r>
-              <a:rPr lang="en-US" altLang="zh-TW" sz="6000" dirty="0"/>
-              <a:t>1</a:t>
-            </a:r>
-            <a:endParaRPr lang="zh-TW" altLang="en-US" sz="6000" dirty="0"/>
-          </a:p>
-        </p:txBody>
-      </p:sp>
-      <p:sp>
-        <p:nvSpPr>
-          <p:cNvPr id="3" name="內容版面配置區 2">
-            <a:extLst>
-              <a:ext uri="{FF2B5EF4-FFF2-40B4-BE49-F238E27FC236}">
-                <a16:creationId xmlns:a16="http://schemas.microsoft.com/office/drawing/2014/main" id="{504590A5-A08F-4D90-A87B-F0AC42C1C9FD}"/>
-              </a:ext>
-            </a:extLst>
-          </p:cNvPr>
-          <p:cNvSpPr>
-            <a:spLocks noGrp="1"/>
-          </p:cNvSpPr>
+          <a:bodyPr/>
+          <a:lstStyle/>
+          <a:p>
+            <a:endParaRPr lang="zh-TW" altLang="en-US"/>
+          </a:p>
+        </p:txBody>
+      </p:sp>
+      <p:pic>
+        <p:nvPicPr>
+          <p:cNvPr id="5" name="內容版面配置區 4">
+            <a:extLst>
+              <a:ext uri="{FF2B5EF4-FFF2-40B4-BE49-F238E27FC236}">
+                <a16:creationId xmlns:a16="http://schemas.microsoft.com/office/drawing/2014/main" id="{78D40EC4-334A-4069-A703-7117DEC7A6EE}"/>
+              </a:ext>
+            </a:extLst>
+          </p:cNvPr>
+          <p:cNvPicPr>
+            <a:picLocks noGrp="1" noChangeAspect="1"/>
+          </p:cNvPicPr>
           <p:nvPr>
             <p:ph idx="1"/>
           </p:nvPr>
-        </p:nvSpPr>
-        <p:spPr/>
-        <p:txBody>
-          <a:bodyPr>
-            <a:normAutofit/>
-          </a:bodyPr>
-          <a:lstStyle/>
-          <a:p>
-            <a:r>
-              <a:rPr lang="zh-TW" altLang="en-US" sz="4400" dirty="0"/>
-              <a:t>輸出一數，此數為</a:t>
-            </a:r>
-            <a:r>
-              <a:rPr lang="en-US" altLang="zh-TW" sz="4400" dirty="0"/>
-              <a:t>2</a:t>
-            </a:r>
-            <a:r>
-              <a:rPr lang="zh-TW" altLang="en-US" sz="4400" dirty="0"/>
-              <a:t>的次方、大於</a:t>
-            </a:r>
-            <a:r>
-              <a:rPr lang="en-US" altLang="zh-TW" sz="4400" dirty="0"/>
-              <a:t>10000</a:t>
-            </a:r>
-            <a:r>
-              <a:rPr lang="zh-TW" altLang="en-US" sz="4400" dirty="0"/>
-              <a:t>，且最接近</a:t>
-            </a:r>
-            <a:r>
-              <a:rPr lang="en-US" altLang="zh-TW" sz="4400" dirty="0"/>
-              <a:t>10000 </a:t>
-            </a:r>
-            <a:r>
-              <a:rPr lang="zh-TW" altLang="en-US" sz="4400" dirty="0"/>
-              <a:t>。</a:t>
-            </a:r>
-            <a:endParaRPr lang="en-US" altLang="zh-TW" sz="4400" dirty="0"/>
-          </a:p>
-          <a:p>
-            <a:endParaRPr lang="en-US" altLang="zh-TW" sz="4400" dirty="0"/>
-          </a:p>
-          <a:p>
-            <a:r>
-              <a:rPr lang="en-US" altLang="zh-TW" sz="4400" dirty="0"/>
-              <a:t>Hint: </a:t>
-            </a:r>
-            <a:r>
-              <a:rPr lang="zh-TW" altLang="en-US" sz="4400" dirty="0"/>
-              <a:t>用</a:t>
-            </a:r>
-            <a:r>
-              <a:rPr lang="en-US" altLang="zh-TW" sz="4400" dirty="0"/>
-              <a:t>while</a:t>
-            </a:r>
-          </a:p>
-        </p:txBody>
-      </p:sp>
+        </p:nvPicPr>
+        <p:blipFill>
+          <a:blip r:embed="rId2">
+            <a:extLst>
+              <a:ext uri="{28A0092B-C50C-407E-A947-70E740481C1C}">
+                <a14:useLocalDpi xmlns:a14="http://schemas.microsoft.com/office/drawing/2010/main" val="0"/>
+              </a:ext>
+            </a:extLst>
+          </a:blip>
+          <a:stretch>
+            <a:fillRect/>
+          </a:stretch>
+        </p:blipFill>
+        <p:spPr>
+          <a:xfrm>
+            <a:off x="2103605" y="1447117"/>
+            <a:ext cx="8206722" cy="4576825"/>
+          </a:xfrm>
+        </p:spPr>
+      </p:pic>
     </p:spTree>
     <p:extLst>
       <p:ext uri="{BB962C8B-B14F-4D97-AF65-F5344CB8AC3E}">
-        <p14:creationId xmlns:p14="http://schemas.microsoft.com/office/powerpoint/2010/main" val="2564182225"/>
+        <p14:creationId xmlns:p14="http://schemas.microsoft.com/office/powerpoint/2010/main" val="4162205464"/>
       </p:ext>
     </p:extLst>
   </p:cSld>
@@ -5607,7 +8061,7 @@
           <p:cNvPr id="2" name="標題 1">
             <a:extLst>
               <a:ext uri="{FF2B5EF4-FFF2-40B4-BE49-F238E27FC236}">
-                <a16:creationId xmlns:a16="http://schemas.microsoft.com/office/drawing/2014/main" id="{A5B2B630-1854-44DA-A211-698ED829BBE0}"/>
+                <a16:creationId xmlns:a16="http://schemas.microsoft.com/office/drawing/2014/main" id="{1A7A7A19-F2C2-405B-91B2-EF826DD72560}"/>
               </a:ext>
             </a:extLst>
           </p:cNvPr>
@@ -5629,10 +8083,10 @@
       </p:sp>
       <p:pic>
         <p:nvPicPr>
-          <p:cNvPr id="9" name="內容版面配置區 8">
-            <a:extLst>
-              <a:ext uri="{FF2B5EF4-FFF2-40B4-BE49-F238E27FC236}">
-                <a16:creationId xmlns:a16="http://schemas.microsoft.com/office/drawing/2014/main" id="{545919DD-92DC-44AF-B1C0-BB0286C73A2E}"/>
+          <p:cNvPr id="5" name="內容版面配置區 4">
+            <a:extLst>
+              <a:ext uri="{FF2B5EF4-FFF2-40B4-BE49-F238E27FC236}">
+                <a16:creationId xmlns:a16="http://schemas.microsoft.com/office/drawing/2014/main" id="{A395C5ED-61CC-4BDC-8248-3B4A545070B8}"/>
               </a:ext>
             </a:extLst>
           </p:cNvPr>
@@ -5657,76 +8111,15 @@
         </p:blipFill>
         <p:spPr>
           <a:xfrm>
-            <a:off x="1929944" y="895387"/>
-            <a:ext cx="8332112" cy="5067226"/>
+            <a:off x="2177375" y="1690688"/>
+            <a:ext cx="7837250" cy="4142121"/>
           </a:xfrm>
         </p:spPr>
       </p:pic>
-      <p:sp>
-        <p:nvSpPr>
-          <p:cNvPr id="4" name="矩形 3">
-            <a:extLst>
-              <a:ext uri="{FF2B5EF4-FFF2-40B4-BE49-F238E27FC236}">
-                <a16:creationId xmlns:a16="http://schemas.microsoft.com/office/drawing/2014/main" id="{418A6F48-079F-4551-B2D7-DB24336B117B}"/>
-              </a:ext>
-            </a:extLst>
-          </p:cNvPr>
-          <p:cNvSpPr/>
-          <p:nvPr/>
-        </p:nvSpPr>
-        <p:spPr>
-          <a:xfrm>
-            <a:off x="3941788" y="5934670"/>
-            <a:ext cx="2757486" cy="923330"/>
-          </a:xfrm>
-          <a:prstGeom prst="rect">
-            <a:avLst/>
-          </a:prstGeom>
-          <a:noFill/>
-        </p:spPr>
-        <p:txBody>
-          <a:bodyPr wrap="none" lIns="91440" tIns="45720" rIns="91440" bIns="45720">
-            <a:spAutoFit/>
-          </a:bodyPr>
-          <a:lstStyle/>
-          <a:p>
-            <a:r>
-              <a:rPr lang="en-US" altLang="zh-TW" sz="5400" dirty="0" err="1">
-                <a:solidFill>
-                  <a:schemeClr val="accent4">
-                    <a:lumMod val="60000"/>
-                    <a:lumOff val="40000"/>
-                  </a:schemeClr>
-                </a:solidFill>
-              </a:rPr>
-              <a:t>i</a:t>
-            </a:r>
-            <a:r>
-              <a:rPr lang="en-US" altLang="zh-TW" sz="5400" dirty="0">
-                <a:solidFill>
-                  <a:schemeClr val="accent4">
-                    <a:lumMod val="60000"/>
-                    <a:lumOff val="40000"/>
-                  </a:schemeClr>
-                </a:solidFill>
-              </a:rPr>
-              <a:t> = 16384</a:t>
-            </a:r>
-            <a:endParaRPr lang="zh-TW" altLang="en-US" sz="5400" dirty="0">
-              <a:solidFill>
-                <a:schemeClr val="accent4">
-                  <a:lumMod val="60000"/>
-                  <a:lumOff val="40000"/>
-                </a:schemeClr>
-              </a:solidFill>
-            </a:endParaRPr>
-          </a:p>
-        </p:txBody>
-      </p:sp>
     </p:spTree>
     <p:extLst>
       <p:ext uri="{BB962C8B-B14F-4D97-AF65-F5344CB8AC3E}">
-        <p14:creationId xmlns:p14="http://schemas.microsoft.com/office/powerpoint/2010/main" val="4200806447"/>
+        <p14:creationId xmlns:p14="http://schemas.microsoft.com/office/powerpoint/2010/main" val="3577168104"/>
       </p:ext>
     </p:extLst>
   </p:cSld>

--- a/practical_class/class_ppt/0317程一實習.pptx
+++ b/practical_class/class_ppt/0317程一實習.pptx
@@ -232,7 +232,7 @@
           <a:p>
             <a:fld id="{4A026C94-271D-49A1-BABA-212293D723B7}" type="datetimeFigureOut">
               <a:rPr lang="zh-TW" altLang="en-US" smtClean="0"/>
-              <a:t>2022/3/16</a:t>
+              <a:t>2022/3/17</a:t>
             </a:fld>
             <a:endParaRPr lang="zh-TW" altLang="en-US"/>
           </a:p>
@@ -820,7 +820,7 @@
           <a:p>
             <a:fld id="{EC09F29B-51DF-41BF-B9C1-3A09295E2F91}" type="datetimeFigureOut">
               <a:rPr lang="zh-TW" altLang="en-US" smtClean="0"/>
-              <a:t>2022/3/16</a:t>
+              <a:t>2022/3/17</a:t>
             </a:fld>
             <a:endParaRPr lang="zh-TW" altLang="en-US"/>
           </a:p>
@@ -1018,7 +1018,7 @@
           <a:p>
             <a:fld id="{EC09F29B-51DF-41BF-B9C1-3A09295E2F91}" type="datetimeFigureOut">
               <a:rPr lang="zh-TW" altLang="en-US" smtClean="0"/>
-              <a:t>2022/3/16</a:t>
+              <a:t>2022/3/17</a:t>
             </a:fld>
             <a:endParaRPr lang="zh-TW" altLang="en-US"/>
           </a:p>
@@ -1226,7 +1226,7 @@
           <a:p>
             <a:fld id="{EC09F29B-51DF-41BF-B9C1-3A09295E2F91}" type="datetimeFigureOut">
               <a:rPr lang="zh-TW" altLang="en-US" smtClean="0"/>
-              <a:t>2022/3/16</a:t>
+              <a:t>2022/3/17</a:t>
             </a:fld>
             <a:endParaRPr lang="zh-TW" altLang="en-US"/>
           </a:p>
@@ -1424,7 +1424,7 @@
           <a:p>
             <a:fld id="{EC09F29B-51DF-41BF-B9C1-3A09295E2F91}" type="datetimeFigureOut">
               <a:rPr lang="zh-TW" altLang="en-US" smtClean="0"/>
-              <a:t>2022/3/16</a:t>
+              <a:t>2022/3/17</a:t>
             </a:fld>
             <a:endParaRPr lang="zh-TW" altLang="en-US"/>
           </a:p>
@@ -1699,7 +1699,7 @@
           <a:p>
             <a:fld id="{EC09F29B-51DF-41BF-B9C1-3A09295E2F91}" type="datetimeFigureOut">
               <a:rPr lang="zh-TW" altLang="en-US" smtClean="0"/>
-              <a:t>2022/3/16</a:t>
+              <a:t>2022/3/17</a:t>
             </a:fld>
             <a:endParaRPr lang="zh-TW" altLang="en-US"/>
           </a:p>
@@ -1964,7 +1964,7 @@
           <a:p>
             <a:fld id="{EC09F29B-51DF-41BF-B9C1-3A09295E2F91}" type="datetimeFigureOut">
               <a:rPr lang="zh-TW" altLang="en-US" smtClean="0"/>
-              <a:t>2022/3/16</a:t>
+              <a:t>2022/3/17</a:t>
             </a:fld>
             <a:endParaRPr lang="zh-TW" altLang="en-US"/>
           </a:p>
@@ -2376,7 +2376,7 @@
           <a:p>
             <a:fld id="{EC09F29B-51DF-41BF-B9C1-3A09295E2F91}" type="datetimeFigureOut">
               <a:rPr lang="zh-TW" altLang="en-US" smtClean="0"/>
-              <a:t>2022/3/16</a:t>
+              <a:t>2022/3/17</a:t>
             </a:fld>
             <a:endParaRPr lang="zh-TW" altLang="en-US"/>
           </a:p>
@@ -2517,7 +2517,7 @@
           <a:p>
             <a:fld id="{EC09F29B-51DF-41BF-B9C1-3A09295E2F91}" type="datetimeFigureOut">
               <a:rPr lang="zh-TW" altLang="en-US" smtClean="0"/>
-              <a:t>2022/3/16</a:t>
+              <a:t>2022/3/17</a:t>
             </a:fld>
             <a:endParaRPr lang="zh-TW" altLang="en-US"/>
           </a:p>
@@ -2630,7 +2630,7 @@
           <a:p>
             <a:fld id="{EC09F29B-51DF-41BF-B9C1-3A09295E2F91}" type="datetimeFigureOut">
               <a:rPr lang="zh-TW" altLang="en-US" smtClean="0"/>
-              <a:t>2022/3/16</a:t>
+              <a:t>2022/3/17</a:t>
             </a:fld>
             <a:endParaRPr lang="zh-TW" altLang="en-US"/>
           </a:p>
@@ -2941,7 +2941,7 @@
           <a:p>
             <a:fld id="{EC09F29B-51DF-41BF-B9C1-3A09295E2F91}" type="datetimeFigureOut">
               <a:rPr lang="zh-TW" altLang="en-US" smtClean="0"/>
-              <a:t>2022/3/16</a:t>
+              <a:t>2022/3/17</a:t>
             </a:fld>
             <a:endParaRPr lang="zh-TW" altLang="en-US"/>
           </a:p>
@@ -3229,7 +3229,7 @@
           <a:p>
             <a:fld id="{EC09F29B-51DF-41BF-B9C1-3A09295E2F91}" type="datetimeFigureOut">
               <a:rPr lang="zh-TW" altLang="en-US" smtClean="0"/>
-              <a:t>2022/3/16</a:t>
+              <a:t>2022/3/17</a:t>
             </a:fld>
             <a:endParaRPr lang="zh-TW" altLang="en-US"/>
           </a:p>
@@ -3470,7 +3470,7 @@
           <a:p>
             <a:fld id="{EC09F29B-51DF-41BF-B9C1-3A09295E2F91}" type="datetimeFigureOut">
               <a:rPr lang="zh-TW" altLang="en-US" smtClean="0"/>
-              <a:t>2022/3/16</a:t>
+              <a:t>2022/3/17</a:t>
             </a:fld>
             <a:endParaRPr lang="zh-TW" altLang="en-US"/>
           </a:p>
@@ -6424,10 +6424,10 @@
       </p:sp>
       <p:pic>
         <p:nvPicPr>
-          <p:cNvPr id="5" name="內容版面配置區 4">
-            <a:extLst>
-              <a:ext uri="{FF2B5EF4-FFF2-40B4-BE49-F238E27FC236}">
-                <a16:creationId xmlns:a16="http://schemas.microsoft.com/office/drawing/2014/main" id="{664F2C14-8301-4E4E-A2B5-72B61200D18E}"/>
+          <p:cNvPr id="7" name="內容版面配置區 6">
+            <a:extLst>
+              <a:ext uri="{FF2B5EF4-FFF2-40B4-BE49-F238E27FC236}">
+                <a16:creationId xmlns:a16="http://schemas.microsoft.com/office/drawing/2014/main" id="{D1120015-414D-4BFD-8830-03807145A1AE}"/>
               </a:ext>
             </a:extLst>
           </p:cNvPr>
@@ -6452,8 +6452,8 @@
         </p:blipFill>
         <p:spPr>
           <a:xfrm>
-            <a:off x="3097769" y="40506"/>
-            <a:ext cx="5682337" cy="6776987"/>
+            <a:off x="3023915" y="365125"/>
+            <a:ext cx="5270999" cy="6320081"/>
           </a:xfrm>
         </p:spPr>
       </p:pic>
@@ -6539,8 +6539,8 @@
         </p:nvSpPr>
         <p:spPr>
           <a:xfrm>
-            <a:off x="0" y="1349445"/>
-            <a:ext cx="8686800" cy="4351338"/>
+            <a:off x="-1" y="1349445"/>
+            <a:ext cx="11885169" cy="4351338"/>
           </a:xfrm>
         </p:spPr>
         <p:txBody>
@@ -6551,7 +6551,47 @@
           <a:p>
             <a:r>
               <a:rPr lang="zh-TW" altLang="en-US" sz="5400" dirty="0"/>
-              <a:t>從</a:t>
+              <a:t>猜數字</a:t>
+            </a:r>
+            <a:r>
+              <a:rPr lang="en-US" altLang="zh-TW" sz="5400" dirty="0"/>
+              <a:t>(</a:t>
+            </a:r>
+            <a:r>
+              <a:rPr lang="zh-TW" altLang="en-US" sz="5400" dirty="0"/>
+              <a:t>假設此數為</a:t>
+            </a:r>
+            <a:r>
+              <a:rPr lang="en-US" altLang="zh-TW" sz="5400" dirty="0"/>
+              <a:t>18)</a:t>
+            </a:r>
+            <a:r>
+              <a:rPr lang="zh-TW" altLang="en-US" sz="5400" dirty="0"/>
+              <a:t>。使用者有三次機會猜測</a:t>
+            </a:r>
+            <a:r>
+              <a:rPr lang="en-US" altLang="zh-TW" sz="5400" dirty="0"/>
+              <a:t>(3</a:t>
+            </a:r>
+            <a:r>
+              <a:rPr lang="zh-TW" altLang="en-US" sz="5400" dirty="0"/>
+              <a:t>次輸入機會</a:t>
+            </a:r>
+            <a:r>
+              <a:rPr lang="en-US" altLang="zh-TW" sz="5400" dirty="0"/>
+              <a:t>)</a:t>
+            </a:r>
+            <a:r>
+              <a:rPr lang="zh-TW" altLang="en-US" sz="5400" dirty="0"/>
+              <a:t>，若猜對，則輸出</a:t>
+            </a:r>
+            <a:r>
+              <a:rPr lang="en-US" altLang="zh-TW" sz="5400" dirty="0"/>
+              <a:t>”success!”</a:t>
+            </a:r>
+            <a:r>
+              <a:rPr lang="zh-TW" altLang="en-US" sz="5400" dirty="0"/>
+              <a:t>，並結束。若第</a:t>
             </a:r>
             <a:r>
               <a:rPr lang="en-US" altLang="zh-TW" sz="5400" dirty="0"/>
@@ -6559,47 +6599,15 @@
             </a:r>
             <a:r>
               <a:rPr lang="zh-TW" altLang="en-US" sz="5400" dirty="0"/>
-              <a:t>開始輸出</a:t>
+              <a:t>次仍錯，則輸出</a:t>
             </a:r>
             <a:r>
               <a:rPr lang="en-US" altLang="zh-TW" sz="5400" dirty="0"/>
-              <a:t>3</a:t>
+              <a:t>“fail”</a:t>
             </a:r>
             <a:r>
               <a:rPr lang="zh-TW" altLang="en-US" sz="5400" dirty="0"/>
-              <a:t>或</a:t>
-            </a:r>
-            <a:r>
-              <a:rPr lang="en-US" altLang="zh-TW" sz="5400" dirty="0"/>
-              <a:t>5</a:t>
-            </a:r>
-            <a:r>
-              <a:rPr lang="zh-TW" altLang="en-US" sz="5400" dirty="0"/>
-              <a:t>的倍數。每輸出</a:t>
-            </a:r>
-            <a:r>
-              <a:rPr lang="en-US" altLang="zh-TW" sz="5400" dirty="0"/>
-              <a:t>5</a:t>
-            </a:r>
-            <a:r>
-              <a:rPr lang="zh-TW" altLang="en-US" sz="5400" dirty="0"/>
-              <a:t>次，則下次內容不輸出。若輸出超過</a:t>
-            </a:r>
-            <a:r>
-              <a:rPr lang="en-US" altLang="zh-TW" sz="5400" dirty="0"/>
-              <a:t>20</a:t>
-            </a:r>
-            <a:r>
-              <a:rPr lang="zh-TW" altLang="en-US" sz="5400" dirty="0"/>
-              <a:t>個數</a:t>
-            </a:r>
-            <a:r>
-              <a:rPr lang="en-US" altLang="zh-TW" sz="5400" dirty="0"/>
-              <a:t>(&lt;=20)</a:t>
-            </a:r>
-            <a:r>
-              <a:rPr lang="zh-TW" altLang="en-US" sz="5400" dirty="0"/>
-              <a:t>，則停止。</a:t>
+              <a:t>，並結束。</a:t>
             </a:r>
           </a:p>
         </p:txBody>
@@ -6618,7 +6626,7 @@
         </p:nvSpPr>
         <p:spPr>
           <a:xfrm>
-            <a:off x="176204" y="4502452"/>
+            <a:off x="306832" y="5508555"/>
             <a:ext cx="9212778" cy="769441"/>
           </a:xfrm>
           <a:prstGeom prst="rect">
@@ -6657,42 +6665,6 @@
           </a:p>
         </p:txBody>
       </p:sp>
-      <p:pic>
-        <p:nvPicPr>
-          <p:cNvPr id="8" name="圖片 7">
-            <a:extLst>
-              <a:ext uri="{FF2B5EF4-FFF2-40B4-BE49-F238E27FC236}">
-                <a16:creationId xmlns:a16="http://schemas.microsoft.com/office/drawing/2014/main" id="{AE5C3556-8BB4-4162-935A-8EA808B7C489}"/>
-              </a:ext>
-            </a:extLst>
-          </p:cNvPr>
-          <p:cNvPicPr>
-            <a:picLocks noChangeAspect="1"/>
-          </p:cNvPicPr>
-          <p:nvPr/>
-        </p:nvPicPr>
-        <p:blipFill>
-          <a:blip r:embed="rId2">
-            <a:extLst>
-              <a:ext uri="{28A0092B-C50C-407E-A947-70E740481C1C}">
-                <a14:useLocalDpi xmlns:a14="http://schemas.microsoft.com/office/drawing/2010/main" val="0"/>
-              </a:ext>
-            </a:extLst>
-          </a:blip>
-          <a:stretch>
-            <a:fillRect/>
-          </a:stretch>
-        </p:blipFill>
-        <p:spPr>
-          <a:xfrm>
-            <a:off x="9281326" y="-32049"/>
-            <a:ext cx="1736572" cy="6922098"/>
-          </a:xfrm>
-          <a:prstGeom prst="rect">
-            <a:avLst/>
-          </a:prstGeom>
-        </p:spPr>
-      </p:pic>
     </p:spTree>
     <p:extLst>
       <p:ext uri="{BB962C8B-B14F-4D97-AF65-F5344CB8AC3E}">
@@ -6750,10 +6722,10 @@
       </p:sp>
       <p:pic>
         <p:nvPicPr>
-          <p:cNvPr id="5" name="內容版面配置區 4">
-            <a:extLst>
-              <a:ext uri="{FF2B5EF4-FFF2-40B4-BE49-F238E27FC236}">
-                <a16:creationId xmlns:a16="http://schemas.microsoft.com/office/drawing/2014/main" id="{A563A8CC-4F8D-4A2A-B899-A7C988198780}"/>
+          <p:cNvPr id="8" name="內容版面配置區 7">
+            <a:extLst>
+              <a:ext uri="{FF2B5EF4-FFF2-40B4-BE49-F238E27FC236}">
+                <a16:creationId xmlns:a16="http://schemas.microsoft.com/office/drawing/2014/main" id="{D34C6601-DF8A-419B-86B8-3E6A62789317}"/>
               </a:ext>
             </a:extLst>
           </p:cNvPr>
@@ -6778,65 +6750,11 @@
         </p:blipFill>
         <p:spPr>
           <a:xfrm>
-            <a:off x="838200" y="-195943"/>
-            <a:ext cx="10515600" cy="6923934"/>
+            <a:off x="3430430" y="70991"/>
+            <a:ext cx="4743186" cy="6716017"/>
           </a:xfrm>
         </p:spPr>
       </p:pic>
-      <p:sp>
-        <p:nvSpPr>
-          <p:cNvPr id="6" name="矩形 5">
-            <a:extLst>
-              <a:ext uri="{FF2B5EF4-FFF2-40B4-BE49-F238E27FC236}">
-                <a16:creationId xmlns:a16="http://schemas.microsoft.com/office/drawing/2014/main" id="{B4649298-159B-4C35-B0CA-25CDC459B641}"/>
-              </a:ext>
-            </a:extLst>
-          </p:cNvPr>
-          <p:cNvSpPr/>
-          <p:nvPr/>
-        </p:nvSpPr>
-        <p:spPr>
-          <a:xfrm>
-            <a:off x="5938935" y="4963884"/>
-            <a:ext cx="88642" cy="410547"/>
-          </a:xfrm>
-          <a:prstGeom prst="rect">
-            <a:avLst/>
-          </a:prstGeom>
-          <a:solidFill>
-            <a:schemeClr val="tx1"/>
-          </a:solidFill>
-          <a:ln>
-            <a:solidFill>
-              <a:schemeClr val="tx1"/>
-            </a:solidFill>
-          </a:ln>
-        </p:spPr>
-        <p:style>
-          <a:lnRef idx="2">
-            <a:schemeClr val="accent1">
-              <a:shade val="50000"/>
-            </a:schemeClr>
-          </a:lnRef>
-          <a:fillRef idx="1">
-            <a:schemeClr val="accent1"/>
-          </a:fillRef>
-          <a:effectRef idx="0">
-            <a:schemeClr val="accent1"/>
-          </a:effectRef>
-          <a:fontRef idx="minor">
-            <a:schemeClr val="lt1"/>
-          </a:fontRef>
-        </p:style>
-        <p:txBody>
-          <a:bodyPr rtlCol="0" anchor="ctr"/>
-          <a:lstStyle/>
-          <a:p>
-            <a:pPr algn="ctr"/>
-            <a:endParaRPr lang="zh-TW" altLang="en-US"/>
-          </a:p>
-        </p:txBody>
-      </p:sp>
     </p:spTree>
     <p:extLst>
       <p:ext uri="{BB962C8B-B14F-4D97-AF65-F5344CB8AC3E}">
